--- a/Fihirana Fanampiny/FF 1.pptx
+++ b/Fihirana Fanampiny/FF 1.pptx
@@ -173,10 +173,9 @@
           <a:lstStyle/>
           <a:p>
             <a:r>
-              <a:rPr lang="fr-FR" smtClean="0"/>
+              <a:rPr lang="fr-FR"/>
               <a:t>Cliquez pour modifier le style du titre</a:t>
             </a:r>
-            <a:endParaRPr lang="fr-FR"/>
           </a:p>
         </p:txBody>
       </p:sp>
@@ -292,10 +291,9 @@
           </a:lstStyle>
           <a:p>
             <a:r>
-              <a:rPr lang="fr-FR" smtClean="0"/>
+              <a:rPr lang="fr-FR"/>
               <a:t>Cliquez pour modifier le style des sous-titres du masque</a:t>
             </a:r>
-            <a:endParaRPr lang="fr-FR"/>
           </a:p>
         </p:txBody>
       </p:sp>
@@ -316,7 +314,7 @@
           <a:p>
             <a:fld id="{8FE5F416-002A-455F-9AE0-E033BFF6BE60}" type="datetimeFigureOut">
               <a:rPr lang="fr-FR" smtClean="0"/>
-              <a:t>06/11/2014</a:t>
+              <a:t>20/08/2023</a:t>
             </a:fld>
             <a:endParaRPr lang="fr-FR"/>
           </a:p>
@@ -405,10 +403,9 @@
           <a:lstStyle/>
           <a:p>
             <a:r>
-              <a:rPr lang="fr-FR" smtClean="0"/>
+              <a:rPr lang="fr-FR"/>
               <a:t>Cliquez pour modifier le style du titre</a:t>
             </a:r>
-            <a:endParaRPr lang="fr-FR"/>
           </a:p>
         </p:txBody>
       </p:sp>
@@ -429,38 +426,37 @@
           <a:p>
             <a:pPr lvl="0"/>
             <a:r>
-              <a:rPr lang="fr-FR" smtClean="0"/>
+              <a:rPr lang="fr-FR"/>
               <a:t>Cliquez pour modifier les styles du texte du masque</a:t>
             </a:r>
           </a:p>
           <a:p>
             <a:pPr lvl="1"/>
             <a:r>
-              <a:rPr lang="fr-FR" smtClean="0"/>
+              <a:rPr lang="fr-FR"/>
               <a:t>Deuxième niveau</a:t>
             </a:r>
           </a:p>
           <a:p>
             <a:pPr lvl="2"/>
             <a:r>
-              <a:rPr lang="fr-FR" smtClean="0"/>
+              <a:rPr lang="fr-FR"/>
               <a:t>Troisième niveau</a:t>
             </a:r>
           </a:p>
           <a:p>
             <a:pPr lvl="3"/>
             <a:r>
-              <a:rPr lang="fr-FR" smtClean="0"/>
+              <a:rPr lang="fr-FR"/>
               <a:t>Quatrième niveau</a:t>
             </a:r>
           </a:p>
           <a:p>
             <a:pPr lvl="4"/>
             <a:r>
-              <a:rPr lang="fr-FR" smtClean="0"/>
+              <a:rPr lang="fr-FR"/>
               <a:t>Cinquième niveau</a:t>
             </a:r>
-            <a:endParaRPr lang="fr-FR"/>
           </a:p>
         </p:txBody>
       </p:sp>
@@ -481,7 +477,7 @@
           <a:p>
             <a:fld id="{8FE5F416-002A-455F-9AE0-E033BFF6BE60}" type="datetimeFigureOut">
               <a:rPr lang="fr-FR" smtClean="0"/>
-              <a:t>06/11/2014</a:t>
+              <a:t>20/08/2023</a:t>
             </a:fld>
             <a:endParaRPr lang="fr-FR"/>
           </a:p>
@@ -575,10 +571,9 @@
           <a:lstStyle/>
           <a:p>
             <a:r>
-              <a:rPr lang="fr-FR" smtClean="0"/>
+              <a:rPr lang="fr-FR"/>
               <a:t>Cliquez pour modifier le style du titre</a:t>
             </a:r>
-            <a:endParaRPr lang="fr-FR"/>
           </a:p>
         </p:txBody>
       </p:sp>
@@ -604,38 +599,37 @@
           <a:p>
             <a:pPr lvl="0"/>
             <a:r>
-              <a:rPr lang="fr-FR" smtClean="0"/>
+              <a:rPr lang="fr-FR"/>
               <a:t>Cliquez pour modifier les styles du texte du masque</a:t>
             </a:r>
           </a:p>
           <a:p>
             <a:pPr lvl="1"/>
             <a:r>
-              <a:rPr lang="fr-FR" smtClean="0"/>
+              <a:rPr lang="fr-FR"/>
               <a:t>Deuxième niveau</a:t>
             </a:r>
           </a:p>
           <a:p>
             <a:pPr lvl="2"/>
             <a:r>
-              <a:rPr lang="fr-FR" smtClean="0"/>
+              <a:rPr lang="fr-FR"/>
               <a:t>Troisième niveau</a:t>
             </a:r>
           </a:p>
           <a:p>
             <a:pPr lvl="3"/>
             <a:r>
-              <a:rPr lang="fr-FR" smtClean="0"/>
+              <a:rPr lang="fr-FR"/>
               <a:t>Quatrième niveau</a:t>
             </a:r>
           </a:p>
           <a:p>
             <a:pPr lvl="4"/>
             <a:r>
-              <a:rPr lang="fr-FR" smtClean="0"/>
+              <a:rPr lang="fr-FR"/>
               <a:t>Cinquième niveau</a:t>
             </a:r>
-            <a:endParaRPr lang="fr-FR"/>
           </a:p>
         </p:txBody>
       </p:sp>
@@ -656,7 +650,7 @@
           <a:p>
             <a:fld id="{8FE5F416-002A-455F-9AE0-E033BFF6BE60}" type="datetimeFigureOut">
               <a:rPr lang="fr-FR" smtClean="0"/>
-              <a:t>06/11/2014</a:t>
+              <a:t>20/08/2023</a:t>
             </a:fld>
             <a:endParaRPr lang="fr-FR"/>
           </a:p>
@@ -745,10 +739,9 @@
           <a:lstStyle/>
           <a:p>
             <a:r>
-              <a:rPr lang="fr-FR" smtClean="0"/>
+              <a:rPr lang="fr-FR"/>
               <a:t>Cliquez pour modifier le style du titre</a:t>
             </a:r>
-            <a:endParaRPr lang="fr-FR"/>
           </a:p>
         </p:txBody>
       </p:sp>
@@ -769,38 +762,37 @@
           <a:p>
             <a:pPr lvl="0"/>
             <a:r>
-              <a:rPr lang="fr-FR" smtClean="0"/>
+              <a:rPr lang="fr-FR"/>
               <a:t>Cliquez pour modifier les styles du texte du masque</a:t>
             </a:r>
           </a:p>
           <a:p>
             <a:pPr lvl="1"/>
             <a:r>
-              <a:rPr lang="fr-FR" smtClean="0"/>
+              <a:rPr lang="fr-FR"/>
               <a:t>Deuxième niveau</a:t>
             </a:r>
           </a:p>
           <a:p>
             <a:pPr lvl="2"/>
             <a:r>
-              <a:rPr lang="fr-FR" smtClean="0"/>
+              <a:rPr lang="fr-FR"/>
               <a:t>Troisième niveau</a:t>
             </a:r>
           </a:p>
           <a:p>
             <a:pPr lvl="3"/>
             <a:r>
-              <a:rPr lang="fr-FR" smtClean="0"/>
+              <a:rPr lang="fr-FR"/>
               <a:t>Quatrième niveau</a:t>
             </a:r>
           </a:p>
           <a:p>
             <a:pPr lvl="4"/>
             <a:r>
-              <a:rPr lang="fr-FR" smtClean="0"/>
+              <a:rPr lang="fr-FR"/>
               <a:t>Cinquième niveau</a:t>
             </a:r>
-            <a:endParaRPr lang="fr-FR"/>
           </a:p>
         </p:txBody>
       </p:sp>
@@ -821,7 +813,7 @@
           <a:p>
             <a:fld id="{8FE5F416-002A-455F-9AE0-E033BFF6BE60}" type="datetimeFigureOut">
               <a:rPr lang="fr-FR" smtClean="0"/>
-              <a:t>06/11/2014</a:t>
+              <a:t>20/08/2023</a:t>
             </a:fld>
             <a:endParaRPr lang="fr-FR"/>
           </a:p>
@@ -919,10 +911,9 @@
           </a:lstStyle>
           <a:p>
             <a:r>
-              <a:rPr lang="fr-FR" smtClean="0"/>
+              <a:rPr lang="fr-FR"/>
               <a:t>Cliquez pour modifier le style du titre</a:t>
             </a:r>
-            <a:endParaRPr lang="fr-FR"/>
           </a:p>
         </p:txBody>
       </p:sp>
@@ -1039,7 +1030,7 @@
           <a:p>
             <a:pPr lvl="0"/>
             <a:r>
-              <a:rPr lang="fr-FR" smtClean="0"/>
+              <a:rPr lang="fr-FR"/>
               <a:t>Cliquez pour modifier les styles du texte du masque</a:t>
             </a:r>
           </a:p>
@@ -1062,7 +1053,7 @@
           <a:p>
             <a:fld id="{8FE5F416-002A-455F-9AE0-E033BFF6BE60}" type="datetimeFigureOut">
               <a:rPr lang="fr-FR" smtClean="0"/>
-              <a:t>06/11/2014</a:t>
+              <a:t>20/08/2023</a:t>
             </a:fld>
             <a:endParaRPr lang="fr-FR"/>
           </a:p>
@@ -1151,10 +1142,9 @@
           <a:lstStyle/>
           <a:p>
             <a:r>
-              <a:rPr lang="fr-FR" smtClean="0"/>
+              <a:rPr lang="fr-FR"/>
               <a:t>Cliquez pour modifier le style du titre</a:t>
             </a:r>
-            <a:endParaRPr lang="fr-FR"/>
           </a:p>
         </p:txBody>
       </p:sp>
@@ -1208,38 +1198,37 @@
           <a:p>
             <a:pPr lvl="0"/>
             <a:r>
-              <a:rPr lang="fr-FR" smtClean="0"/>
+              <a:rPr lang="fr-FR"/>
               <a:t>Cliquez pour modifier les styles du texte du masque</a:t>
             </a:r>
           </a:p>
           <a:p>
             <a:pPr lvl="1"/>
             <a:r>
-              <a:rPr lang="fr-FR" smtClean="0"/>
+              <a:rPr lang="fr-FR"/>
               <a:t>Deuxième niveau</a:t>
             </a:r>
           </a:p>
           <a:p>
             <a:pPr lvl="2"/>
             <a:r>
-              <a:rPr lang="fr-FR" smtClean="0"/>
+              <a:rPr lang="fr-FR"/>
               <a:t>Troisième niveau</a:t>
             </a:r>
           </a:p>
           <a:p>
             <a:pPr lvl="3"/>
             <a:r>
-              <a:rPr lang="fr-FR" smtClean="0"/>
+              <a:rPr lang="fr-FR"/>
               <a:t>Quatrième niveau</a:t>
             </a:r>
           </a:p>
           <a:p>
             <a:pPr lvl="4"/>
             <a:r>
-              <a:rPr lang="fr-FR" smtClean="0"/>
+              <a:rPr lang="fr-FR"/>
               <a:t>Cinquième niveau</a:t>
             </a:r>
-            <a:endParaRPr lang="fr-FR"/>
           </a:p>
         </p:txBody>
       </p:sp>
@@ -1293,38 +1282,37 @@
           <a:p>
             <a:pPr lvl="0"/>
             <a:r>
-              <a:rPr lang="fr-FR" smtClean="0"/>
+              <a:rPr lang="fr-FR"/>
               <a:t>Cliquez pour modifier les styles du texte du masque</a:t>
             </a:r>
           </a:p>
           <a:p>
             <a:pPr lvl="1"/>
             <a:r>
-              <a:rPr lang="fr-FR" smtClean="0"/>
+              <a:rPr lang="fr-FR"/>
               <a:t>Deuxième niveau</a:t>
             </a:r>
           </a:p>
           <a:p>
             <a:pPr lvl="2"/>
             <a:r>
-              <a:rPr lang="fr-FR" smtClean="0"/>
+              <a:rPr lang="fr-FR"/>
               <a:t>Troisième niveau</a:t>
             </a:r>
           </a:p>
           <a:p>
             <a:pPr lvl="3"/>
             <a:r>
-              <a:rPr lang="fr-FR" smtClean="0"/>
+              <a:rPr lang="fr-FR"/>
               <a:t>Quatrième niveau</a:t>
             </a:r>
           </a:p>
           <a:p>
             <a:pPr lvl="4"/>
             <a:r>
-              <a:rPr lang="fr-FR" smtClean="0"/>
+              <a:rPr lang="fr-FR"/>
               <a:t>Cinquième niveau</a:t>
             </a:r>
-            <a:endParaRPr lang="fr-FR"/>
           </a:p>
         </p:txBody>
       </p:sp>
@@ -1345,7 +1333,7 @@
           <a:p>
             <a:fld id="{8FE5F416-002A-455F-9AE0-E033BFF6BE60}" type="datetimeFigureOut">
               <a:rPr lang="fr-FR" smtClean="0"/>
-              <a:t>06/11/2014</a:t>
+              <a:t>20/08/2023</a:t>
             </a:fld>
             <a:endParaRPr lang="fr-FR"/>
           </a:p>
@@ -1438,10 +1426,9 @@
           </a:lstStyle>
           <a:p>
             <a:r>
-              <a:rPr lang="fr-FR" smtClean="0"/>
+              <a:rPr lang="fr-FR"/>
               <a:t>Cliquez pour modifier le style du titre</a:t>
             </a:r>
-            <a:endParaRPr lang="fr-FR"/>
           </a:p>
         </p:txBody>
       </p:sp>
@@ -1504,7 +1491,7 @@
           <a:p>
             <a:pPr lvl="0"/>
             <a:r>
-              <a:rPr lang="fr-FR" smtClean="0"/>
+              <a:rPr lang="fr-FR"/>
               <a:t>Cliquez pour modifier les styles du texte du masque</a:t>
             </a:r>
           </a:p>
@@ -1560,38 +1547,37 @@
           <a:p>
             <a:pPr lvl="0"/>
             <a:r>
-              <a:rPr lang="fr-FR" smtClean="0"/>
+              <a:rPr lang="fr-FR"/>
               <a:t>Cliquez pour modifier les styles du texte du masque</a:t>
             </a:r>
           </a:p>
           <a:p>
             <a:pPr lvl="1"/>
             <a:r>
-              <a:rPr lang="fr-FR" smtClean="0"/>
+              <a:rPr lang="fr-FR"/>
               <a:t>Deuxième niveau</a:t>
             </a:r>
           </a:p>
           <a:p>
             <a:pPr lvl="2"/>
             <a:r>
-              <a:rPr lang="fr-FR" smtClean="0"/>
+              <a:rPr lang="fr-FR"/>
               <a:t>Troisième niveau</a:t>
             </a:r>
           </a:p>
           <a:p>
             <a:pPr lvl="3"/>
             <a:r>
-              <a:rPr lang="fr-FR" smtClean="0"/>
+              <a:rPr lang="fr-FR"/>
               <a:t>Quatrième niveau</a:t>
             </a:r>
           </a:p>
           <a:p>
             <a:pPr lvl="4"/>
             <a:r>
-              <a:rPr lang="fr-FR" smtClean="0"/>
+              <a:rPr lang="fr-FR"/>
               <a:t>Cinquième niveau</a:t>
             </a:r>
-            <a:endParaRPr lang="fr-FR"/>
           </a:p>
         </p:txBody>
       </p:sp>
@@ -1654,7 +1640,7 @@
           <a:p>
             <a:pPr lvl="0"/>
             <a:r>
-              <a:rPr lang="fr-FR" smtClean="0"/>
+              <a:rPr lang="fr-FR"/>
               <a:t>Cliquez pour modifier les styles du texte du masque</a:t>
             </a:r>
           </a:p>
@@ -1710,38 +1696,37 @@
           <a:p>
             <a:pPr lvl="0"/>
             <a:r>
-              <a:rPr lang="fr-FR" smtClean="0"/>
+              <a:rPr lang="fr-FR"/>
               <a:t>Cliquez pour modifier les styles du texte du masque</a:t>
             </a:r>
           </a:p>
           <a:p>
             <a:pPr lvl="1"/>
             <a:r>
-              <a:rPr lang="fr-FR" smtClean="0"/>
+              <a:rPr lang="fr-FR"/>
               <a:t>Deuxième niveau</a:t>
             </a:r>
           </a:p>
           <a:p>
             <a:pPr lvl="2"/>
             <a:r>
-              <a:rPr lang="fr-FR" smtClean="0"/>
+              <a:rPr lang="fr-FR"/>
               <a:t>Troisième niveau</a:t>
             </a:r>
           </a:p>
           <a:p>
             <a:pPr lvl="3"/>
             <a:r>
-              <a:rPr lang="fr-FR" smtClean="0"/>
+              <a:rPr lang="fr-FR"/>
               <a:t>Quatrième niveau</a:t>
             </a:r>
           </a:p>
           <a:p>
             <a:pPr lvl="4"/>
             <a:r>
-              <a:rPr lang="fr-FR" smtClean="0"/>
+              <a:rPr lang="fr-FR"/>
               <a:t>Cinquième niveau</a:t>
             </a:r>
-            <a:endParaRPr lang="fr-FR"/>
           </a:p>
         </p:txBody>
       </p:sp>
@@ -1762,7 +1747,7 @@
           <a:p>
             <a:fld id="{8FE5F416-002A-455F-9AE0-E033BFF6BE60}" type="datetimeFigureOut">
               <a:rPr lang="fr-FR" smtClean="0"/>
-              <a:t>06/11/2014</a:t>
+              <a:t>20/08/2023</a:t>
             </a:fld>
             <a:endParaRPr lang="fr-FR"/>
           </a:p>
@@ -1851,10 +1836,9 @@
           <a:lstStyle/>
           <a:p>
             <a:r>
-              <a:rPr lang="fr-FR" smtClean="0"/>
+              <a:rPr lang="fr-FR"/>
               <a:t>Cliquez pour modifier le style du titre</a:t>
             </a:r>
-            <a:endParaRPr lang="fr-FR"/>
           </a:p>
         </p:txBody>
       </p:sp>
@@ -1875,7 +1859,7 @@
           <a:p>
             <a:fld id="{8FE5F416-002A-455F-9AE0-E033BFF6BE60}" type="datetimeFigureOut">
               <a:rPr lang="fr-FR" smtClean="0"/>
-              <a:t>06/11/2014</a:t>
+              <a:t>20/08/2023</a:t>
             </a:fld>
             <a:endParaRPr lang="fr-FR"/>
           </a:p>
@@ -1965,7 +1949,7 @@
           <a:p>
             <a:fld id="{8FE5F416-002A-455F-9AE0-E033BFF6BE60}" type="datetimeFigureOut">
               <a:rPr lang="fr-FR" smtClean="0"/>
-              <a:t>06/11/2014</a:t>
+              <a:t>20/08/2023</a:t>
             </a:fld>
             <a:endParaRPr lang="fr-FR"/>
           </a:p>
@@ -2063,10 +2047,9 @@
           </a:lstStyle>
           <a:p>
             <a:r>
-              <a:rPr lang="fr-FR" smtClean="0"/>
+              <a:rPr lang="fr-FR"/>
               <a:t>Cliquez pour modifier le style du titre</a:t>
             </a:r>
-            <a:endParaRPr lang="fr-FR"/>
           </a:p>
         </p:txBody>
       </p:sp>
@@ -2120,38 +2103,37 @@
           <a:p>
             <a:pPr lvl="0"/>
             <a:r>
-              <a:rPr lang="fr-FR" smtClean="0"/>
+              <a:rPr lang="fr-FR"/>
               <a:t>Cliquez pour modifier les styles du texte du masque</a:t>
             </a:r>
           </a:p>
           <a:p>
             <a:pPr lvl="1"/>
             <a:r>
-              <a:rPr lang="fr-FR" smtClean="0"/>
+              <a:rPr lang="fr-FR"/>
               <a:t>Deuxième niveau</a:t>
             </a:r>
           </a:p>
           <a:p>
             <a:pPr lvl="2"/>
             <a:r>
-              <a:rPr lang="fr-FR" smtClean="0"/>
+              <a:rPr lang="fr-FR"/>
               <a:t>Troisième niveau</a:t>
             </a:r>
           </a:p>
           <a:p>
             <a:pPr lvl="3"/>
             <a:r>
-              <a:rPr lang="fr-FR" smtClean="0"/>
+              <a:rPr lang="fr-FR"/>
               <a:t>Quatrième niveau</a:t>
             </a:r>
           </a:p>
           <a:p>
             <a:pPr lvl="4"/>
             <a:r>
-              <a:rPr lang="fr-FR" smtClean="0"/>
+              <a:rPr lang="fr-FR"/>
               <a:t>Cinquième niveau</a:t>
             </a:r>
-            <a:endParaRPr lang="fr-FR"/>
           </a:p>
         </p:txBody>
       </p:sp>
@@ -2214,7 +2196,7 @@
           <a:p>
             <a:pPr lvl="0"/>
             <a:r>
-              <a:rPr lang="fr-FR" smtClean="0"/>
+              <a:rPr lang="fr-FR"/>
               <a:t>Cliquez pour modifier les styles du texte du masque</a:t>
             </a:r>
           </a:p>
@@ -2237,7 +2219,7 @@
           <a:p>
             <a:fld id="{8FE5F416-002A-455F-9AE0-E033BFF6BE60}" type="datetimeFigureOut">
               <a:rPr lang="fr-FR" smtClean="0"/>
-              <a:t>06/11/2014</a:t>
+              <a:t>20/08/2023</a:t>
             </a:fld>
             <a:endParaRPr lang="fr-FR"/>
           </a:p>
@@ -2335,10 +2317,9 @@
           </a:lstStyle>
           <a:p>
             <a:r>
-              <a:rPr lang="fr-FR" smtClean="0"/>
+              <a:rPr lang="fr-FR"/>
               <a:t>Cliquez pour modifier le style du titre</a:t>
             </a:r>
-            <a:endParaRPr lang="fr-FR"/>
           </a:p>
         </p:txBody>
       </p:sp>
@@ -2462,7 +2443,7 @@
           <a:p>
             <a:pPr lvl="0"/>
             <a:r>
-              <a:rPr lang="fr-FR" smtClean="0"/>
+              <a:rPr lang="fr-FR"/>
               <a:t>Cliquez pour modifier les styles du texte du masque</a:t>
             </a:r>
           </a:p>
@@ -2485,7 +2466,7 @@
           <a:p>
             <a:fld id="{8FE5F416-002A-455F-9AE0-E033BFF6BE60}" type="datetimeFigureOut">
               <a:rPr lang="fr-FR" smtClean="0"/>
-              <a:t>06/11/2014</a:t>
+              <a:t>20/08/2023</a:t>
             </a:fld>
             <a:endParaRPr lang="fr-FR"/>
           </a:p>
@@ -2589,10 +2570,9 @@
           <a:lstStyle/>
           <a:p>
             <a:r>
-              <a:rPr lang="fr-FR" smtClean="0"/>
+              <a:rPr lang="fr-FR"/>
               <a:t>Cliquez pour modifier le style du titre</a:t>
             </a:r>
-            <a:endParaRPr lang="fr-FR"/>
           </a:p>
         </p:txBody>
       </p:sp>
@@ -2623,38 +2603,37 @@
           <a:p>
             <a:pPr lvl="0"/>
             <a:r>
-              <a:rPr lang="fr-FR" smtClean="0"/>
+              <a:rPr lang="fr-FR"/>
               <a:t>Cliquez pour modifier les styles du texte du masque</a:t>
             </a:r>
           </a:p>
           <a:p>
             <a:pPr lvl="1"/>
             <a:r>
-              <a:rPr lang="fr-FR" smtClean="0"/>
+              <a:rPr lang="fr-FR"/>
               <a:t>Deuxième niveau</a:t>
             </a:r>
           </a:p>
           <a:p>
             <a:pPr lvl="2"/>
             <a:r>
-              <a:rPr lang="fr-FR" smtClean="0"/>
+              <a:rPr lang="fr-FR"/>
               <a:t>Troisième niveau</a:t>
             </a:r>
           </a:p>
           <a:p>
             <a:pPr lvl="3"/>
             <a:r>
-              <a:rPr lang="fr-FR" smtClean="0"/>
+              <a:rPr lang="fr-FR"/>
               <a:t>Quatrième niveau</a:t>
             </a:r>
           </a:p>
           <a:p>
             <a:pPr lvl="4"/>
             <a:r>
-              <a:rPr lang="fr-FR" smtClean="0"/>
+              <a:rPr lang="fr-FR"/>
               <a:t>Cinquième niveau</a:t>
             </a:r>
-            <a:endParaRPr lang="fr-FR"/>
           </a:p>
         </p:txBody>
       </p:sp>
@@ -2693,7 +2672,7 @@
           <a:p>
             <a:fld id="{8FE5F416-002A-455F-9AE0-E033BFF6BE60}" type="datetimeFigureOut">
               <a:rPr lang="fr-FR" smtClean="0"/>
-              <a:t>06/11/2014</a:t>
+              <a:t>20/08/2023</a:t>
             </a:fld>
             <a:endParaRPr lang="fr-FR"/>
           </a:p>
@@ -3125,7 +3104,7 @@
           <a:lstStyle/>
           <a:p>
             <a:r>
-              <a:rPr lang="fr-FR" sz="9600" b="1" spc="50" dirty="0" smtClean="0">
+              <a:rPr lang="fr-FR" sz="9600" b="1" spc="50" dirty="0">
                 <a:ln w="11430">
                   <a:solidFill>
                     <a:srgbClr val="0070C0"/>
@@ -3158,37 +3137,6 @@
               </a:rPr>
               <a:t>FF O1</a:t>
             </a:r>
-            <a:endParaRPr lang="fr-FR" sz="9600" b="1" spc="50" dirty="0">
-              <a:ln w="11430">
-                <a:solidFill>
-                  <a:srgbClr val="0070C0"/>
-                </a:solidFill>
-              </a:ln>
-              <a:gradFill>
-                <a:gsLst>
-                  <a:gs pos="25000">
-                    <a:schemeClr val="accent2">
-                      <a:satMod val="155000"/>
-                    </a:schemeClr>
-                  </a:gs>
-                  <a:gs pos="100000">
-                    <a:schemeClr val="accent2">
-                      <a:shade val="45000"/>
-                      <a:satMod val="165000"/>
-                    </a:schemeClr>
-                  </a:gs>
-                </a:gsLst>
-                <a:lin ang="5400000"/>
-              </a:gradFill>
-              <a:effectLst>
-                <a:outerShdw blurRad="76200" dist="50800" dir="5400000" algn="tl" rotWithShape="0">
-                  <a:srgbClr val="000000">
-                    <a:alpha val="65000"/>
-                  </a:srgbClr>
-                </a:outerShdw>
-              </a:effectLst>
-              <a:latin typeface="Algerian" pitchFamily="82" charset="0"/>
-            </a:endParaRPr>
           </a:p>
         </p:txBody>
       </p:sp>
@@ -3205,12 +3153,12 @@
         <p:spPr/>
         <p:txBody>
           <a:bodyPr>
-            <a:normAutofit/>
+            <a:normAutofit fontScale="92500" lnSpcReduction="10000"/>
           </a:bodyPr>
           <a:lstStyle/>
           <a:p>
             <a:r>
-              <a:rPr lang="fr-FR" sz="4800" b="1" dirty="0" err="1" smtClean="0">
+              <a:rPr lang="fr-FR" sz="4800" b="1" dirty="0" err="1">
                 <a:solidFill>
                   <a:schemeClr val="tx1">
                     <a:lumMod val="95000"/>
@@ -3222,7 +3170,7 @@
               <a:t>Mitsangana</a:t>
             </a:r>
             <a:r>
-              <a:rPr lang="fr-FR" sz="4800" b="1" dirty="0" smtClean="0">
+              <a:rPr lang="fr-FR" sz="4800" b="1" dirty="0">
                 <a:solidFill>
                   <a:schemeClr val="tx1">
                     <a:lumMod val="95000"/>
@@ -3234,7 +3182,7 @@
               <a:t> </a:t>
             </a:r>
             <a:r>
-              <a:rPr lang="fr-FR" sz="4800" b="1" dirty="0" err="1" smtClean="0">
+              <a:rPr lang="fr-FR" sz="4800" b="1" dirty="0" err="1">
                 <a:solidFill>
                   <a:schemeClr val="tx1">
                     <a:lumMod val="95000"/>
@@ -3246,7 +3194,7 @@
               <a:t>ianao</a:t>
             </a:r>
             <a:r>
-              <a:rPr lang="fr-FR" sz="4800" b="1" dirty="0" smtClean="0">
+              <a:rPr lang="fr-FR" sz="4800" b="1" dirty="0">
                 <a:solidFill>
                   <a:schemeClr val="tx1">
                     <a:lumMod val="95000"/>
@@ -3258,7 +3206,7 @@
               <a:t> </a:t>
             </a:r>
             <a:r>
-              <a:rPr lang="fr-FR" sz="4800" b="1" dirty="0" err="1" smtClean="0">
+              <a:rPr lang="fr-FR" sz="4800" b="1" dirty="0" err="1">
                 <a:solidFill>
                   <a:schemeClr val="tx1">
                     <a:lumMod val="95000"/>
@@ -3270,7 +3218,7 @@
               <a:t>ry</a:t>
             </a:r>
             <a:r>
-              <a:rPr lang="fr-FR" sz="4800" b="1" dirty="0" smtClean="0">
+              <a:rPr lang="fr-FR" sz="4800" b="1" dirty="0">
                 <a:solidFill>
                   <a:schemeClr val="tx1">
                     <a:lumMod val="95000"/>
@@ -3282,7 +3230,7 @@
               <a:t> </a:t>
             </a:r>
             <a:r>
-              <a:rPr lang="fr-FR" sz="4800" b="1" dirty="0" err="1" smtClean="0">
+              <a:rPr lang="fr-FR" sz="4800" b="1" dirty="0" err="1">
                 <a:solidFill>
                   <a:schemeClr val="tx1">
                     <a:lumMod val="95000"/>
@@ -3310,13 +3258,6 @@
   <p:clrMapOvr>
     <a:masterClrMapping/>
   </p:clrMapOvr>
-  <p:timing>
-    <p:tnLst>
-      <p:par>
-        <p:cTn id="1" dur="indefinite" restart="never" nodeType="tmRoot"/>
-      </p:par>
-    </p:tnLst>
-  </p:timing>
 </p:sld>
 </file>
 
@@ -3359,15 +3300,11 @@
           </a:bodyPr>
           <a:lstStyle/>
           <a:p>
-            <a:r>
-              <a:rPr lang="en-GB" sz="6000" b="1" dirty="0" smtClean="0"/>
-              <a:t/>
-            </a:r>
             <a:br>
-              <a:rPr lang="en-GB" sz="6000" b="1" dirty="0" smtClean="0"/>
+              <a:rPr lang="en-GB" sz="6000" b="1" dirty="0"/>
             </a:br>
             <a:r>
-              <a:rPr lang="en-GB" sz="6000" b="1" dirty="0" smtClean="0"/>
+              <a:rPr lang="en-GB" sz="6000" b="1" dirty="0"/>
               <a:t>3- </a:t>
             </a:r>
             <a:r>
@@ -3379,39 +3316,31 @@
               <a:t> </a:t>
             </a:r>
             <a:r>
-              <a:rPr lang="en-GB" sz="6000" b="1" dirty="0" err="1" smtClean="0"/>
+              <a:rPr lang="en-GB" sz="6000" b="1" dirty="0" err="1"/>
               <a:t>doria</a:t>
             </a:r>
-            <a:r>
-              <a:rPr lang="en-GB" sz="6000" b="1" dirty="0" smtClean="0"/>
-              <a:t/>
-            </a:r>
             <a:br>
-              <a:rPr lang="en-GB" sz="6000" b="1" dirty="0" smtClean="0"/>
+              <a:rPr lang="en-GB" sz="6000" b="1" dirty="0"/>
             </a:br>
             <a:r>
-              <a:rPr lang="en-GB" sz="6000" b="1" dirty="0" err="1" smtClean="0"/>
+              <a:rPr lang="en-GB" sz="6000" b="1" dirty="0" err="1"/>
               <a:t>Tsisy</a:t>
             </a:r>
             <a:r>
-              <a:rPr lang="en-GB" sz="6000" b="1" dirty="0" smtClean="0"/>
-              <a:t> </a:t>
-            </a:r>
-            <a:r>
-              <a:rPr lang="en-GB" sz="6000" b="1" dirty="0" err="1" smtClean="0"/>
+              <a:rPr lang="en-GB" sz="6000" b="1" dirty="0"/>
+              <a:t> </a:t>
+            </a:r>
+            <a:r>
+              <a:rPr lang="en-GB" sz="6000" b="1" dirty="0" err="1"/>
               <a:t>tambiny</a:t>
             </a:r>
             <a:r>
-              <a:rPr lang="en-GB" sz="6000" b="1" dirty="0" smtClean="0"/>
-              <a:t> </a:t>
-            </a:r>
-            <a:r>
-              <a:rPr lang="en-GB" sz="6000" b="1" dirty="0" err="1" smtClean="0"/>
+              <a:rPr lang="en-GB" sz="6000" b="1" dirty="0"/>
+              <a:t> </a:t>
+            </a:r>
+            <a:r>
+              <a:rPr lang="en-GB" sz="6000" b="1" dirty="0" err="1"/>
               <a:t>aminao</a:t>
-            </a:r>
-            <a:r>
-              <a:rPr lang="fr-FR" sz="6000" b="1" dirty="0"/>
-              <a:t/>
             </a:r>
             <a:br>
               <a:rPr lang="fr-FR" sz="6000" b="1" dirty="0"/>
@@ -3444,10 +3373,6 @@
               <a:rPr lang="en-GB" sz="6000" b="1" dirty="0"/>
               <a:t> ;</a:t>
             </a:r>
-            <a:r>
-              <a:rPr lang="fr-FR" sz="6000" b="1" dirty="0"/>
-              <a:t/>
-            </a:r>
             <a:br>
               <a:rPr lang="fr-FR" sz="6000" b="1" dirty="0"/>
             </a:br>
@@ -3478,10 +3403,6 @@
             <a:r>
               <a:rPr lang="en-GB" sz="6000" b="1" dirty="0"/>
               <a:t>,</a:t>
-            </a:r>
-            <a:r>
-              <a:rPr lang="fr-FR" sz="6000" b="1" dirty="0"/>
-              <a:t/>
             </a:r>
             <a:br>
               <a:rPr lang="fr-FR" sz="6000" b="1" dirty="0"/>
@@ -3666,148 +3587,132 @@
           <a:lstStyle/>
           <a:p>
             <a:r>
-              <a:rPr lang="en-GB" sz="6000" b="1" dirty="0" err="1" smtClean="0"/>
+              <a:rPr lang="en-GB" sz="6000" b="1" dirty="0" err="1"/>
               <a:t>Ho</a:t>
             </a:r>
             <a:r>
-              <a:rPr lang="en-GB" sz="6000" b="1" dirty="0" smtClean="0"/>
-              <a:t> </a:t>
-            </a:r>
-            <a:r>
-              <a:rPr lang="en-GB" sz="6000" b="1" dirty="0" err="1" smtClean="0"/>
+              <a:rPr lang="en-GB" sz="6000" b="1" dirty="0"/>
+              <a:t> </a:t>
+            </a:r>
+            <a:r>
+              <a:rPr lang="en-GB" sz="6000" b="1" dirty="0" err="1"/>
               <a:t>fanilo</a:t>
             </a:r>
             <a:r>
-              <a:rPr lang="en-GB" sz="6000" b="1" dirty="0" smtClean="0"/>
-              <a:t> </a:t>
-            </a:r>
-            <a:r>
-              <a:rPr lang="en-GB" sz="6000" b="1" dirty="0" err="1" smtClean="0"/>
+              <a:rPr lang="en-GB" sz="6000" b="1" dirty="0"/>
+              <a:t> </a:t>
+            </a:r>
+            <a:r>
+              <a:rPr lang="en-GB" sz="6000" b="1" dirty="0" err="1"/>
               <a:t>mandra-maty</a:t>
             </a:r>
             <a:r>
-              <a:rPr lang="en-GB" sz="6000" b="1" dirty="0" smtClean="0"/>
+              <a:rPr lang="en-GB" sz="6000" b="1" dirty="0"/>
               <a:t>,</a:t>
             </a:r>
-            <a:r>
-              <a:rPr lang="fr-FR" sz="6000" b="1" dirty="0" smtClean="0"/>
-              <a:t/>
-            </a:r>
             <a:br>
-              <a:rPr lang="fr-FR" sz="6000" b="1" dirty="0" smtClean="0"/>
+              <a:rPr lang="fr-FR" sz="6000" b="1" dirty="0"/>
             </a:br>
             <a:r>
-              <a:rPr lang="en-GB" sz="6000" b="1" dirty="0" smtClean="0"/>
+              <a:rPr lang="en-GB" sz="6000" b="1" dirty="0"/>
               <a:t>   </a:t>
             </a:r>
             <a:r>
-              <a:rPr lang="en-GB" sz="6000" b="1" dirty="0" err="1" smtClean="0"/>
+              <a:rPr lang="en-GB" sz="6000" b="1" dirty="0" err="1"/>
               <a:t>Ho</a:t>
             </a:r>
             <a:r>
-              <a:rPr lang="en-GB" sz="6000" b="1" dirty="0" smtClean="0"/>
-              <a:t> </a:t>
-            </a:r>
-            <a:r>
-              <a:rPr lang="en-GB" sz="6000" b="1" dirty="0" err="1" smtClean="0"/>
+              <a:rPr lang="en-GB" sz="6000" b="1" dirty="0"/>
+              <a:t> </a:t>
+            </a:r>
+            <a:r>
+              <a:rPr lang="en-GB" sz="6000" b="1" dirty="0" err="1"/>
               <a:t>mpitantana</a:t>
             </a:r>
             <a:r>
-              <a:rPr lang="en-GB" sz="6000" b="1" dirty="0" smtClean="0"/>
-              <a:t> </a:t>
-            </a:r>
-            <a:r>
-              <a:rPr lang="en-GB" sz="6000" b="1" dirty="0" err="1" smtClean="0"/>
+              <a:rPr lang="en-GB" sz="6000" b="1" dirty="0"/>
+              <a:t> </a:t>
+            </a:r>
+            <a:r>
+              <a:rPr lang="en-GB" sz="6000" b="1" dirty="0" err="1"/>
               <a:t>ny</a:t>
             </a:r>
             <a:r>
-              <a:rPr lang="en-GB" sz="6000" b="1" dirty="0" smtClean="0"/>
-              <a:t> </a:t>
-            </a:r>
-            <a:r>
-              <a:rPr lang="en-GB" sz="6000" b="1" dirty="0" err="1" smtClean="0"/>
+              <a:rPr lang="en-GB" sz="6000" b="1" dirty="0"/>
+              <a:t> </a:t>
+            </a:r>
+            <a:r>
+              <a:rPr lang="en-GB" sz="6000" b="1" dirty="0" err="1"/>
               <a:t>dia</a:t>
             </a:r>
             <a:r>
-              <a:rPr lang="en-GB" sz="6000" b="1" dirty="0" smtClean="0"/>
+              <a:rPr lang="en-GB" sz="6000" b="1" dirty="0"/>
               <a:t> ;</a:t>
             </a:r>
-            <a:r>
-              <a:rPr lang="fr-FR" sz="6000" b="1" dirty="0" smtClean="0"/>
-              <a:t/>
-            </a:r>
             <a:br>
-              <a:rPr lang="fr-FR" sz="6000" b="1" dirty="0" smtClean="0"/>
+              <a:rPr lang="fr-FR" sz="6000" b="1" dirty="0"/>
             </a:br>
             <a:r>
-              <a:rPr lang="en-GB" sz="6000" b="1" dirty="0" smtClean="0"/>
-              <a:t>‘</a:t>
-            </a:r>
-            <a:r>
-              <a:rPr lang="en-GB" sz="6000" b="1" dirty="0" smtClean="0"/>
-              <a:t>Lay </a:t>
-            </a:r>
-            <a:r>
-              <a:rPr lang="en-GB" sz="6000" b="1" dirty="0" err="1" smtClean="0"/>
+              <a:rPr lang="en-GB" sz="6000" b="1" dirty="0"/>
+              <a:t>‘Lay </a:t>
+            </a:r>
+            <a:r>
+              <a:rPr lang="en-GB" sz="6000" b="1" dirty="0" err="1"/>
               <a:t>finoana</a:t>
             </a:r>
             <a:r>
-              <a:rPr lang="en-GB" sz="6000" b="1" dirty="0" smtClean="0"/>
-              <a:t> </a:t>
-            </a:r>
-            <a:r>
-              <a:rPr lang="en-GB" sz="6000" b="1" dirty="0" err="1" smtClean="0"/>
+              <a:rPr lang="en-GB" sz="6000" b="1" dirty="0"/>
+              <a:t> </a:t>
+            </a:r>
+            <a:r>
+              <a:rPr lang="en-GB" sz="6000" b="1" dirty="0" err="1"/>
               <a:t>ao</a:t>
             </a:r>
             <a:r>
-              <a:rPr lang="en-GB" sz="6000" b="1" dirty="0" smtClean="0"/>
-              <a:t> </a:t>
-            </a:r>
-            <a:r>
-              <a:rPr lang="en-GB" sz="6000" b="1" dirty="0" err="1" smtClean="0"/>
+              <a:rPr lang="en-GB" sz="6000" b="1" dirty="0"/>
+              <a:t> </a:t>
+            </a:r>
+            <a:r>
+              <a:rPr lang="en-GB" sz="6000" b="1" dirty="0" err="1"/>
               <a:t>anaty</a:t>
             </a:r>
-            <a:r>
-              <a:rPr lang="fr-FR" sz="6000" b="1" dirty="0" smtClean="0"/>
-              <a:t/>
-            </a:r>
             <a:br>
-              <a:rPr lang="fr-FR" sz="6000" b="1" dirty="0" smtClean="0"/>
+              <a:rPr lang="fr-FR" sz="6000" b="1" dirty="0"/>
             </a:br>
             <a:r>
-              <a:rPr lang="en-GB" sz="6000" b="1" dirty="0" smtClean="0"/>
+              <a:rPr lang="en-GB" sz="6000" b="1" dirty="0"/>
               <a:t>   </a:t>
             </a:r>
             <a:r>
-              <a:rPr lang="en-GB" sz="6000" b="1" dirty="0" err="1" smtClean="0"/>
+              <a:rPr lang="en-GB" sz="6000" b="1" dirty="0" err="1"/>
               <a:t>Homba</a:t>
             </a:r>
             <a:r>
-              <a:rPr lang="en-GB" sz="6000" b="1" dirty="0" smtClean="0"/>
-              <a:t> </a:t>
-            </a:r>
-            <a:r>
-              <a:rPr lang="en-GB" sz="6000" b="1" dirty="0" err="1" smtClean="0"/>
+              <a:rPr lang="en-GB" sz="6000" b="1" dirty="0"/>
+              <a:t> </a:t>
+            </a:r>
+            <a:r>
+              <a:rPr lang="en-GB" sz="6000" b="1" dirty="0" err="1"/>
               <a:t>anao</a:t>
             </a:r>
             <a:r>
-              <a:rPr lang="en-GB" sz="6000" b="1" dirty="0" smtClean="0"/>
-              <a:t> </a:t>
-            </a:r>
-            <a:r>
-              <a:rPr lang="en-GB" sz="6000" b="1" dirty="0" err="1" smtClean="0"/>
+              <a:rPr lang="en-GB" sz="6000" b="1" dirty="0"/>
+              <a:t> </a:t>
+            </a:r>
+            <a:r>
+              <a:rPr lang="en-GB" sz="6000" b="1" dirty="0" err="1"/>
               <a:t>doria</a:t>
             </a:r>
             <a:r>
-              <a:rPr lang="en-GB" sz="6000" b="1" dirty="0" smtClean="0"/>
-              <a:t> </a:t>
-            </a:r>
-            <a:r>
-              <a:rPr lang="en-GB" sz="6000" b="1" dirty="0" err="1" smtClean="0"/>
+              <a:rPr lang="en-GB" sz="6000" b="1" dirty="0"/>
+              <a:t> </a:t>
+            </a:r>
+            <a:r>
+              <a:rPr lang="en-GB" sz="6000" b="1" dirty="0" err="1"/>
               <a:t>doria</a:t>
             </a:r>
             <a:r>
-              <a:rPr lang="en-GB" sz="6000" b="1" dirty="0" smtClean="0"/>
+              <a:rPr lang="en-GB" sz="6000" b="1" dirty="0"/>
               <a:t>.</a:t>
             </a:r>
             <a:endParaRPr lang="fr-FR" sz="6000" b="1" dirty="0"/>
@@ -3998,350 +3903,154 @@
           </a:bodyPr>
           <a:lstStyle/>
           <a:p>
-            <a:r>
-              <a:rPr lang="en-GB" sz="6000" b="1" i="1" dirty="0" smtClean="0">
-                <a:solidFill>
-                  <a:srgbClr val="00B050"/>
-                </a:solidFill>
-              </a:rPr>
-              <a:t/>
-            </a:r>
             <a:br>
-              <a:rPr lang="en-GB" sz="6000" b="1" i="1" dirty="0" smtClean="0">
-                <a:solidFill>
-                  <a:srgbClr val="00B050"/>
-                </a:solidFill>
-              </a:rPr>
+              <a:rPr lang="en-GB" sz="6000" b="1" i="1" dirty="0"/>
             </a:br>
             <a:r>
-              <a:rPr lang="en-GB" sz="6000" b="1" i="1" dirty="0" err="1" smtClean="0">
-                <a:solidFill>
-                  <a:srgbClr val="00B050"/>
-                </a:solidFill>
-              </a:rPr>
+              <a:rPr lang="en-GB" sz="6000" b="1" i="1" dirty="0" err="1"/>
               <a:t>Mbola</a:t>
             </a:r>
             <a:r>
-              <a:rPr lang="en-GB" sz="6000" b="1" i="1" dirty="0" smtClean="0">
-                <a:solidFill>
-                  <a:srgbClr val="00B050"/>
-                </a:solidFill>
-              </a:rPr>
-              <a:t> </a:t>
-            </a:r>
-            <a:r>
-              <a:rPr lang="en-GB" sz="6000" b="1" i="1" dirty="0" err="1" smtClean="0">
-                <a:solidFill>
-                  <a:srgbClr val="00B050"/>
-                </a:solidFill>
-              </a:rPr>
+              <a:rPr lang="en-GB" sz="6000" b="1" i="1" dirty="0"/>
+              <a:t> </a:t>
+            </a:r>
+            <a:r>
+              <a:rPr lang="en-GB" sz="6000" b="1" i="1" dirty="0" err="1"/>
               <a:t>ho</a:t>
             </a:r>
             <a:r>
-              <a:rPr lang="en-GB" sz="6000" b="1" i="1" dirty="0" smtClean="0">
-                <a:solidFill>
-                  <a:srgbClr val="00B050"/>
-                </a:solidFill>
-              </a:rPr>
-              <a:t> </a:t>
-            </a:r>
-            <a:r>
-              <a:rPr lang="en-GB" sz="6000" b="1" i="1" dirty="0" err="1" smtClean="0">
-                <a:solidFill>
-                  <a:srgbClr val="00B050"/>
-                </a:solidFill>
-              </a:rPr>
+              <a:rPr lang="en-GB" sz="6000" b="1" i="1" dirty="0"/>
+              <a:t> </a:t>
+            </a:r>
+            <a:r>
+              <a:rPr lang="en-GB" sz="6000" b="1" i="1" dirty="0" err="1"/>
               <a:t>avy</a:t>
             </a:r>
             <a:r>
-              <a:rPr lang="en-GB" sz="6000" b="1" i="1" dirty="0" smtClean="0">
-                <a:solidFill>
-                  <a:srgbClr val="00B050"/>
-                </a:solidFill>
-              </a:rPr>
-              <a:t> </a:t>
-            </a:r>
-            <a:r>
-              <a:rPr lang="en-GB" sz="6000" b="1" i="1" dirty="0" err="1" smtClean="0">
-                <a:solidFill>
-                  <a:srgbClr val="00B050"/>
-                </a:solidFill>
-              </a:rPr>
+              <a:rPr lang="en-GB" sz="6000" b="1" i="1" dirty="0"/>
+              <a:t> </a:t>
+            </a:r>
+            <a:r>
+              <a:rPr lang="en-GB" sz="6000" b="1" i="1" dirty="0" err="1"/>
               <a:t>ny</a:t>
             </a:r>
             <a:r>
-              <a:rPr lang="en-GB" sz="6000" b="1" i="1" dirty="0" smtClean="0">
-                <a:solidFill>
-                  <a:srgbClr val="00B050"/>
-                </a:solidFill>
-              </a:rPr>
-              <a:t> </a:t>
-            </a:r>
-            <a:r>
-              <a:rPr lang="en-GB" sz="6000" b="1" i="1" dirty="0" err="1" smtClean="0">
-                <a:solidFill>
-                  <a:srgbClr val="00B050"/>
-                </a:solidFill>
-              </a:rPr>
+              <a:rPr lang="en-GB" sz="6000" b="1" i="1" dirty="0"/>
+              <a:t> </a:t>
+            </a:r>
+            <a:r>
+              <a:rPr lang="en-GB" sz="6000" b="1" i="1" dirty="0" err="1"/>
               <a:t>maraina</a:t>
             </a:r>
-            <a:r>
-              <a:rPr lang="fr-FR" sz="6000" b="1" i="1" dirty="0" smtClean="0">
-                <a:solidFill>
-                  <a:srgbClr val="00B050"/>
-                </a:solidFill>
-              </a:rPr>
-              <a:t/>
-            </a:r>
             <a:br>
-              <a:rPr lang="fr-FR" sz="6000" b="1" i="1" dirty="0" smtClean="0">
-                <a:solidFill>
-                  <a:srgbClr val="00B050"/>
-                </a:solidFill>
-              </a:rPr>
+              <a:rPr lang="fr-FR" sz="6000" b="1" i="1" dirty="0"/>
             </a:br>
             <a:r>
-              <a:rPr lang="en-GB" sz="6000" b="1" i="1" dirty="0" smtClean="0">
-                <a:solidFill>
-                  <a:srgbClr val="00B050"/>
-                </a:solidFill>
-              </a:rPr>
+              <a:rPr lang="en-GB" sz="6000" b="1" i="1" dirty="0"/>
               <a:t> ‘</a:t>
             </a:r>
             <a:r>
-              <a:rPr lang="en-GB" sz="6000" b="1" i="1" dirty="0" err="1" smtClean="0">
-                <a:solidFill>
-                  <a:srgbClr val="00B050"/>
-                </a:solidFill>
-              </a:rPr>
+              <a:rPr lang="en-GB" sz="6000" b="1" i="1" dirty="0" err="1"/>
               <a:t>Zay</a:t>
             </a:r>
             <a:r>
-              <a:rPr lang="en-GB" sz="6000" b="1" i="1" dirty="0" smtClean="0">
-                <a:solidFill>
-                  <a:srgbClr val="00B050"/>
-                </a:solidFill>
-              </a:rPr>
-              <a:t> </a:t>
-            </a:r>
-            <a:r>
-              <a:rPr lang="en-GB" sz="6000" b="1" i="1" dirty="0" err="1" smtClean="0">
-                <a:solidFill>
-                  <a:srgbClr val="00B050"/>
-                </a:solidFill>
-              </a:rPr>
+              <a:rPr lang="en-GB" sz="6000" b="1" i="1" dirty="0"/>
+              <a:t> </a:t>
+            </a:r>
+            <a:r>
+              <a:rPr lang="en-GB" sz="6000" b="1" i="1" dirty="0" err="1"/>
               <a:t>mitondra</a:t>
             </a:r>
             <a:r>
-              <a:rPr lang="en-GB" sz="6000" b="1" i="1" dirty="0" smtClean="0">
-                <a:solidFill>
-                  <a:srgbClr val="00B050"/>
-                </a:solidFill>
-              </a:rPr>
-              <a:t> </a:t>
-            </a:r>
-            <a:r>
-              <a:rPr lang="en-GB" sz="6000" b="1" i="1" dirty="0" err="1" smtClean="0">
-                <a:solidFill>
-                  <a:srgbClr val="00B050"/>
-                </a:solidFill>
-              </a:rPr>
+              <a:rPr lang="en-GB" sz="6000" b="1" i="1" dirty="0"/>
+              <a:t> </a:t>
+            </a:r>
+            <a:r>
+              <a:rPr lang="en-GB" sz="6000" b="1" i="1" dirty="0" err="1"/>
               <a:t>hery</a:t>
             </a:r>
             <a:r>
-              <a:rPr lang="en-GB" sz="6000" b="1" i="1" dirty="0" smtClean="0">
-                <a:solidFill>
-                  <a:srgbClr val="00B050"/>
-                </a:solidFill>
-              </a:rPr>
-              <a:t> </a:t>
-            </a:r>
-            <a:r>
-              <a:rPr lang="en-GB" sz="6000" b="1" i="1" dirty="0" err="1" smtClean="0">
-                <a:solidFill>
-                  <a:srgbClr val="00B050"/>
-                </a:solidFill>
-              </a:rPr>
+              <a:rPr lang="en-GB" sz="6000" b="1" i="1" dirty="0"/>
+              <a:t> </a:t>
+            </a:r>
+            <a:r>
+              <a:rPr lang="en-GB" sz="6000" b="1" i="1" dirty="0" err="1"/>
               <a:t>vao</a:t>
             </a:r>
-            <a:r>
-              <a:rPr lang="fr-FR" sz="6000" b="1" i="1" dirty="0" smtClean="0">
-                <a:solidFill>
-                  <a:srgbClr val="00B050"/>
-                </a:solidFill>
-              </a:rPr>
-              <a:t/>
-            </a:r>
             <a:br>
-              <a:rPr lang="fr-FR" sz="6000" b="1" i="1" dirty="0" smtClean="0">
-                <a:solidFill>
-                  <a:srgbClr val="00B050"/>
-                </a:solidFill>
-              </a:rPr>
+              <a:rPr lang="fr-FR" sz="6000" b="1" i="1" dirty="0"/>
             </a:br>
             <a:r>
-              <a:rPr lang="en-GB" sz="6000" b="1" i="1" dirty="0" smtClean="0">
-                <a:solidFill>
-                  <a:srgbClr val="00B050"/>
-                </a:solidFill>
-              </a:rPr>
+              <a:rPr lang="en-GB" sz="6000" b="1" i="1" dirty="0"/>
               <a:t>  </a:t>
             </a:r>
             <a:r>
-              <a:rPr lang="en-GB" sz="6000" b="1" i="1" dirty="0" err="1" smtClean="0">
-                <a:solidFill>
-                  <a:srgbClr val="00B050"/>
-                </a:solidFill>
-              </a:rPr>
+              <a:rPr lang="en-GB" sz="6000" b="1" i="1" dirty="0" err="1"/>
               <a:t>Ry</a:t>
             </a:r>
             <a:r>
-              <a:rPr lang="en-GB" sz="6000" b="1" i="1" dirty="0" smtClean="0">
-                <a:solidFill>
-                  <a:srgbClr val="00B050"/>
-                </a:solidFill>
-              </a:rPr>
-              <a:t> </a:t>
-            </a:r>
-            <a:r>
-              <a:rPr lang="en-GB" sz="6000" b="1" i="1" dirty="0" err="1" smtClean="0">
-                <a:solidFill>
-                  <a:srgbClr val="00B050"/>
-                </a:solidFill>
-              </a:rPr>
+              <a:rPr lang="en-GB" sz="6000" b="1" i="1" dirty="0"/>
+              <a:t> </a:t>
+            </a:r>
+            <a:r>
+              <a:rPr lang="en-GB" sz="6000" b="1" i="1" dirty="0" err="1"/>
               <a:t>mpiambina</a:t>
             </a:r>
             <a:r>
-              <a:rPr lang="en-GB" sz="6000" b="1" i="1" dirty="0" smtClean="0">
-                <a:solidFill>
-                  <a:srgbClr val="00B050"/>
-                </a:solidFill>
-              </a:rPr>
-              <a:t> </a:t>
-            </a:r>
-            <a:r>
-              <a:rPr lang="en-GB" sz="6000" b="1" i="1" dirty="0" err="1" smtClean="0">
-                <a:solidFill>
-                  <a:srgbClr val="00B050"/>
-                </a:solidFill>
-              </a:rPr>
+              <a:rPr lang="en-GB" sz="6000" b="1" i="1" dirty="0"/>
+              <a:t> </a:t>
+            </a:r>
+            <a:r>
+              <a:rPr lang="en-GB" sz="6000" b="1" i="1" dirty="0" err="1"/>
               <a:t>miarena</a:t>
             </a:r>
-            <a:r>
-              <a:rPr lang="fr-FR" sz="6000" b="1" i="1" dirty="0" smtClean="0">
-                <a:solidFill>
-                  <a:srgbClr val="00B050"/>
-                </a:solidFill>
-              </a:rPr>
-              <a:t/>
-            </a:r>
             <a:br>
-              <a:rPr lang="fr-FR" sz="6000" b="1" i="1" dirty="0" smtClean="0">
-                <a:solidFill>
-                  <a:srgbClr val="00B050"/>
-                </a:solidFill>
-              </a:rPr>
+              <a:rPr lang="fr-FR" sz="6000" b="1" i="1" dirty="0"/>
             </a:br>
             <a:r>
-              <a:rPr lang="en-GB" sz="6000" b="1" i="1" dirty="0" smtClean="0">
-                <a:solidFill>
-                  <a:srgbClr val="00B050"/>
-                </a:solidFill>
-              </a:rPr>
+              <a:rPr lang="en-GB" sz="6000" b="1" i="1" dirty="0"/>
               <a:t>    </a:t>
             </a:r>
             <a:r>
-              <a:rPr lang="en-GB" sz="6000" b="1" i="1" dirty="0" err="1" smtClean="0">
-                <a:solidFill>
-                  <a:srgbClr val="00B050"/>
-                </a:solidFill>
-              </a:rPr>
+              <a:rPr lang="en-GB" sz="6000" b="1" i="1" dirty="0" err="1"/>
               <a:t>Ka</a:t>
             </a:r>
             <a:r>
-              <a:rPr lang="en-GB" sz="6000" b="1" i="1" dirty="0" smtClean="0">
-                <a:solidFill>
-                  <a:srgbClr val="00B050"/>
-                </a:solidFill>
-              </a:rPr>
-              <a:t> </a:t>
-            </a:r>
-            <a:r>
-              <a:rPr lang="en-GB" sz="6000" b="1" i="1" dirty="0" err="1" smtClean="0">
-                <a:solidFill>
-                  <a:srgbClr val="00B050"/>
-                </a:solidFill>
-              </a:rPr>
+              <a:rPr lang="en-GB" sz="6000" b="1" i="1" dirty="0"/>
+              <a:t> </a:t>
+            </a:r>
+            <a:r>
+              <a:rPr lang="en-GB" sz="6000" b="1" i="1" dirty="0" err="1"/>
               <a:t>ingao</a:t>
             </a:r>
             <a:r>
-              <a:rPr lang="en-GB" sz="6000" b="1" i="1" dirty="0" smtClean="0">
-                <a:solidFill>
-                  <a:srgbClr val="00B050"/>
-                </a:solidFill>
-              </a:rPr>
-              <a:t> </a:t>
-            </a:r>
-            <a:r>
-              <a:rPr lang="en-GB" sz="6000" b="1" i="1" dirty="0" err="1" smtClean="0">
-                <a:solidFill>
-                  <a:srgbClr val="00B050"/>
-                </a:solidFill>
-              </a:rPr>
+              <a:rPr lang="en-GB" sz="6000" b="1" i="1" dirty="0"/>
+              <a:t> </a:t>
+            </a:r>
+            <a:r>
+              <a:rPr lang="en-GB" sz="6000" b="1" i="1" dirty="0" err="1"/>
               <a:t>ny</a:t>
             </a:r>
             <a:r>
-              <a:rPr lang="en-GB" sz="6000" b="1" i="1" dirty="0" smtClean="0">
-                <a:solidFill>
-                  <a:srgbClr val="00B050"/>
-                </a:solidFill>
-              </a:rPr>
-              <a:t> </a:t>
-            </a:r>
-            <a:r>
-              <a:rPr lang="en-GB" sz="6000" b="1" i="1" dirty="0" err="1" smtClean="0">
-                <a:solidFill>
-                  <a:srgbClr val="00B050"/>
-                </a:solidFill>
-              </a:rPr>
+              <a:rPr lang="en-GB" sz="6000" b="1" i="1" dirty="0"/>
+              <a:t> </a:t>
+            </a:r>
+            <a:r>
+              <a:rPr lang="en-GB" sz="6000" b="1" i="1" dirty="0" err="1"/>
               <a:t>zovinao</a:t>
             </a:r>
             <a:r>
-              <a:rPr lang="en-GB" sz="6000" b="1" i="1" dirty="0" smtClean="0">
-                <a:solidFill>
-                  <a:srgbClr val="00B050"/>
-                </a:solidFill>
-              </a:rPr>
+              <a:rPr lang="en-GB" sz="6000" b="1" i="1" dirty="0"/>
               <a:t> ;</a:t>
             </a:r>
-            <a:r>
-              <a:rPr lang="fr-FR" sz="6000" b="1" i="1" dirty="0" smtClean="0">
-                <a:solidFill>
-                  <a:srgbClr val="00B050"/>
-                </a:solidFill>
-              </a:rPr>
-              <a:t/>
-            </a:r>
             <a:br>
-              <a:rPr lang="fr-FR" sz="6000" b="1" i="1" dirty="0" smtClean="0">
-                <a:solidFill>
-                  <a:srgbClr val="00B050"/>
-                </a:solidFill>
-              </a:rPr>
+              <a:rPr lang="fr-FR" sz="6000" b="1" i="1" dirty="0"/>
             </a:br>
             <a:r>
-              <a:rPr lang="en-GB" sz="6000" b="1" i="1" dirty="0" smtClean="0">
-                <a:solidFill>
-                  <a:srgbClr val="00B050"/>
-                </a:solidFill>
-              </a:rPr>
+              <a:rPr lang="en-GB" sz="6000" b="1" i="1" dirty="0"/>
               <a:t>      </a:t>
             </a:r>
-            <a:endParaRPr lang="fr-FR" sz="6000" b="1" i="1" dirty="0">
-              <a:solidFill>
-                <a:srgbClr val="00B050"/>
-              </a:solidFill>
-            </a:endParaRPr>
+            <a:endParaRPr lang="fr-FR" sz="6000" b="1" i="1" dirty="0"/>
           </a:p>
         </p:txBody>
       </p:sp>
@@ -4727,279 +4436,123 @@
           <a:lstStyle/>
           <a:p>
             <a:r>
-              <a:rPr lang="en-GB" sz="6000" b="1" i="1" dirty="0" err="1" smtClean="0">
-                <a:solidFill>
-                  <a:srgbClr val="00B050"/>
-                </a:solidFill>
-              </a:rPr>
+              <a:rPr lang="en-GB" sz="6000" b="1" i="1" dirty="0" err="1"/>
               <a:t>Ambarao</a:t>
             </a:r>
             <a:r>
-              <a:rPr lang="en-GB" sz="6000" b="1" i="1" dirty="0" smtClean="0">
-                <a:solidFill>
-                  <a:srgbClr val="00B050"/>
-                </a:solidFill>
-              </a:rPr>
-              <a:t> </a:t>
-            </a:r>
-            <a:r>
-              <a:rPr lang="en-GB" sz="6000" b="1" i="1" dirty="0" err="1">
-                <a:solidFill>
-                  <a:srgbClr val="00B050"/>
-                </a:solidFill>
-              </a:rPr>
+              <a:rPr lang="en-GB" sz="6000" b="1" i="1" dirty="0"/>
+              <a:t> </a:t>
+            </a:r>
+            <a:r>
+              <a:rPr lang="en-GB" sz="6000" b="1" i="1" dirty="0" err="1"/>
               <a:t>fa</a:t>
             </a:r>
             <a:r>
-              <a:rPr lang="en-GB" sz="6000" b="1" i="1" dirty="0">
-                <a:solidFill>
-                  <a:srgbClr val="00B050"/>
-                </a:solidFill>
-              </a:rPr>
-              <a:t> </a:t>
-            </a:r>
-            <a:r>
-              <a:rPr lang="en-GB" sz="6000" b="1" i="1" dirty="0" err="1">
-                <a:solidFill>
-                  <a:srgbClr val="00B050"/>
-                </a:solidFill>
-              </a:rPr>
+              <a:rPr lang="en-GB" sz="6000" b="1" i="1" dirty="0"/>
+              <a:t> </a:t>
+            </a:r>
+            <a:r>
+              <a:rPr lang="en-GB" sz="6000" b="1" i="1" dirty="0" err="1"/>
               <a:t>ny</a:t>
             </a:r>
             <a:r>
-              <a:rPr lang="en-GB" sz="6000" b="1" i="1" dirty="0">
-                <a:solidFill>
-                  <a:srgbClr val="00B050"/>
-                </a:solidFill>
-              </a:rPr>
-              <a:t> </a:t>
-            </a:r>
-            <a:r>
-              <a:rPr lang="en-GB" sz="6000" b="1" i="1" dirty="0" err="1">
-                <a:solidFill>
-                  <a:srgbClr val="00B050"/>
-                </a:solidFill>
-              </a:rPr>
+              <a:rPr lang="en-GB" sz="6000" b="1" i="1" dirty="0"/>
+              <a:t> </a:t>
+            </a:r>
+            <a:r>
+              <a:rPr lang="en-GB" sz="6000" b="1" i="1" dirty="0" err="1"/>
               <a:t>haizina</a:t>
             </a:r>
-            <a:r>
-              <a:rPr lang="fr-FR" sz="6000" b="1" i="1" dirty="0">
-                <a:solidFill>
-                  <a:srgbClr val="00B050"/>
-                </a:solidFill>
-              </a:rPr>
-              <a:t/>
-            </a:r>
             <a:br>
-              <a:rPr lang="fr-FR" sz="6000" b="1" i="1" dirty="0">
-                <a:solidFill>
-                  <a:srgbClr val="00B050"/>
-                </a:solidFill>
-              </a:rPr>
+              <a:rPr lang="fr-FR" sz="6000" b="1" i="1" dirty="0"/>
             </a:br>
             <a:r>
-              <a:rPr lang="fr-FR" sz="6000" b="1" i="1" dirty="0" err="1" smtClean="0">
-                <a:solidFill>
-                  <a:srgbClr val="00B050"/>
-                </a:solidFill>
-              </a:rPr>
+              <a:rPr lang="fr-FR" sz="6000" b="1" i="1" dirty="0" err="1"/>
               <a:t>Indro</a:t>
             </a:r>
             <a:r>
-              <a:rPr lang="fr-FR" sz="6000" b="1" i="1" dirty="0" smtClean="0">
-                <a:solidFill>
-                  <a:srgbClr val="00B050"/>
-                </a:solidFill>
-              </a:rPr>
-              <a:t> </a:t>
-            </a:r>
-            <a:r>
-              <a:rPr lang="fr-FR" sz="6000" b="1" i="1" dirty="0" err="1">
-                <a:solidFill>
-                  <a:srgbClr val="00B050"/>
-                </a:solidFill>
-              </a:rPr>
+              <a:rPr lang="fr-FR" sz="6000" b="1" i="1" dirty="0"/>
+              <a:t> </a:t>
+            </a:r>
+            <a:r>
+              <a:rPr lang="fr-FR" sz="6000" b="1" i="1" dirty="0" err="1"/>
               <a:t>efa</a:t>
             </a:r>
             <a:r>
-              <a:rPr lang="fr-FR" sz="6000" b="1" i="1" dirty="0">
-                <a:solidFill>
-                  <a:srgbClr val="00B050"/>
-                </a:solidFill>
-              </a:rPr>
-              <a:t> </a:t>
-            </a:r>
-            <a:r>
-              <a:rPr lang="fr-FR" sz="6000" b="1" i="1" dirty="0" err="1">
-                <a:solidFill>
-                  <a:srgbClr val="00B050"/>
-                </a:solidFill>
-              </a:rPr>
+              <a:rPr lang="fr-FR" sz="6000" b="1" i="1" dirty="0"/>
+              <a:t> </a:t>
+            </a:r>
+            <a:r>
+              <a:rPr lang="fr-FR" sz="6000" b="1" i="1" dirty="0" err="1"/>
               <a:t>lasa</a:t>
             </a:r>
             <a:r>
-              <a:rPr lang="fr-FR" sz="6000" b="1" i="1" dirty="0">
-                <a:solidFill>
-                  <a:srgbClr val="00B050"/>
-                </a:solidFill>
-              </a:rPr>
-              <a:t> </a:t>
-            </a:r>
-            <a:r>
-              <a:rPr lang="fr-FR" sz="6000" b="1" i="1" dirty="0" err="1">
-                <a:solidFill>
-                  <a:srgbClr val="00B050"/>
-                </a:solidFill>
-              </a:rPr>
+              <a:rPr lang="fr-FR" sz="6000" b="1" i="1" dirty="0"/>
+              <a:t> </a:t>
+            </a:r>
+            <a:r>
+              <a:rPr lang="fr-FR" sz="6000" b="1" i="1" dirty="0" err="1"/>
               <a:t>re</a:t>
             </a:r>
             <a:r>
-              <a:rPr lang="fr-FR" sz="6000" b="1" i="1" dirty="0">
-                <a:solidFill>
-                  <a:srgbClr val="00B050"/>
-                </a:solidFill>
-              </a:rPr>
+              <a:rPr lang="fr-FR" sz="6000" b="1" i="1" dirty="0"/>
               <a:t>,</a:t>
             </a:r>
             <a:br>
-              <a:rPr lang="fr-FR" sz="6000" b="1" i="1" dirty="0">
-                <a:solidFill>
-                  <a:srgbClr val="00B050"/>
-                </a:solidFill>
-              </a:rPr>
+              <a:rPr lang="fr-FR" sz="6000" b="1" i="1" dirty="0"/>
             </a:br>
             <a:r>
-              <a:rPr lang="fr-FR" sz="6000" b="1" i="1" dirty="0">
-                <a:solidFill>
-                  <a:srgbClr val="00B050"/>
-                </a:solidFill>
-              </a:rPr>
-              <a:t> </a:t>
-            </a:r>
-            <a:r>
-              <a:rPr lang="fr-FR" sz="6000" b="1" i="1" dirty="0" smtClean="0">
-                <a:solidFill>
-                  <a:srgbClr val="00B050"/>
-                </a:solidFill>
-              </a:rPr>
-              <a:t> </a:t>
-            </a:r>
-            <a:r>
-              <a:rPr lang="fr-FR" sz="6000" b="1" i="1" dirty="0" err="1">
-                <a:solidFill>
-                  <a:srgbClr val="00B050"/>
-                </a:solidFill>
-              </a:rPr>
+              <a:rPr lang="fr-FR" sz="6000" b="1" i="1" dirty="0"/>
+              <a:t>  </a:t>
+            </a:r>
+            <a:r>
+              <a:rPr lang="fr-FR" sz="6000" b="1" i="1" dirty="0" err="1"/>
               <a:t>Efa</a:t>
             </a:r>
             <a:r>
-              <a:rPr lang="fr-FR" sz="6000" b="1" i="1" dirty="0">
-                <a:solidFill>
-                  <a:srgbClr val="00B050"/>
-                </a:solidFill>
-              </a:rPr>
-              <a:t> </a:t>
-            </a:r>
-            <a:r>
-              <a:rPr lang="fr-FR" sz="6000" b="1" i="1" dirty="0" err="1">
-                <a:solidFill>
-                  <a:srgbClr val="00B050"/>
-                </a:solidFill>
-              </a:rPr>
+              <a:rPr lang="fr-FR" sz="6000" b="1" i="1" dirty="0"/>
+              <a:t> </a:t>
+            </a:r>
+            <a:r>
+              <a:rPr lang="fr-FR" sz="6000" b="1" i="1" dirty="0" err="1"/>
               <a:t>tonga</a:t>
             </a:r>
             <a:r>
-              <a:rPr lang="fr-FR" sz="6000" b="1" i="1" dirty="0">
-                <a:solidFill>
-                  <a:srgbClr val="00B050"/>
-                </a:solidFill>
-              </a:rPr>
-              <a:t> </a:t>
-            </a:r>
-            <a:r>
-              <a:rPr lang="fr-FR" sz="6000" b="1" i="1" dirty="0" err="1">
-                <a:solidFill>
-                  <a:srgbClr val="00B050"/>
-                </a:solidFill>
-              </a:rPr>
+              <a:rPr lang="fr-FR" sz="6000" b="1" i="1" dirty="0"/>
+              <a:t> </a:t>
+            </a:r>
+            <a:r>
+              <a:rPr lang="fr-FR" sz="6000" b="1" i="1" dirty="0" err="1"/>
               <a:t>ny</a:t>
             </a:r>
             <a:r>
-              <a:rPr lang="fr-FR" sz="6000" b="1" i="1" dirty="0">
-                <a:solidFill>
-                  <a:srgbClr val="00B050"/>
-                </a:solidFill>
-              </a:rPr>
-              <a:t> </a:t>
-            </a:r>
-            <a:r>
-              <a:rPr lang="fr-FR" sz="6000" b="1" i="1" dirty="0" err="1">
-                <a:solidFill>
-                  <a:srgbClr val="00B050"/>
-                </a:solidFill>
-              </a:rPr>
+              <a:rPr lang="fr-FR" sz="6000" b="1" i="1" dirty="0"/>
+              <a:t> </a:t>
+            </a:r>
+            <a:r>
+              <a:rPr lang="fr-FR" sz="6000" b="1" i="1" dirty="0" err="1"/>
               <a:t>maraina</a:t>
             </a:r>
-            <a:r>
-              <a:rPr lang="fr-FR" sz="6000" b="1" i="1" dirty="0">
-                <a:solidFill>
-                  <a:srgbClr val="00B050"/>
-                </a:solidFill>
-              </a:rPr>
-              <a:t/>
-            </a:r>
             <a:br>
-              <a:rPr lang="fr-FR" sz="6000" b="1" i="1" dirty="0">
-                <a:solidFill>
-                  <a:srgbClr val="00B050"/>
-                </a:solidFill>
-              </a:rPr>
+              <a:rPr lang="fr-FR" sz="6000" b="1" i="1" dirty="0"/>
             </a:br>
             <a:r>
-              <a:rPr lang="en-GB" sz="6000" b="1" i="1" dirty="0" err="1" smtClean="0">
-                <a:solidFill>
-                  <a:srgbClr val="00B050"/>
-                </a:solidFill>
-              </a:rPr>
+              <a:rPr lang="en-GB" sz="6000" b="1" i="1" dirty="0" err="1"/>
               <a:t>Hisy</a:t>
             </a:r>
             <a:r>
-              <a:rPr lang="en-GB" sz="6000" b="1" i="1" dirty="0" smtClean="0">
-                <a:solidFill>
-                  <a:srgbClr val="00B050"/>
-                </a:solidFill>
-              </a:rPr>
-              <a:t> </a:t>
-            </a:r>
-            <a:r>
-              <a:rPr lang="en-GB" sz="6000" b="1" i="1" dirty="0" err="1">
-                <a:solidFill>
-                  <a:srgbClr val="00B050"/>
-                </a:solidFill>
-              </a:rPr>
+              <a:rPr lang="en-GB" sz="6000" b="1" i="1" dirty="0"/>
+              <a:t> </a:t>
+            </a:r>
+            <a:r>
+              <a:rPr lang="en-GB" sz="6000" b="1" i="1" dirty="0" err="1"/>
               <a:t>hazavana</a:t>
             </a:r>
             <a:r>
-              <a:rPr lang="en-GB" sz="6000" b="1" i="1" dirty="0">
-                <a:solidFill>
-                  <a:srgbClr val="00B050"/>
-                </a:solidFill>
-              </a:rPr>
-              <a:t> </a:t>
-            </a:r>
-            <a:r>
-              <a:rPr lang="en-GB" sz="6000" b="1" i="1" dirty="0" smtClean="0">
-                <a:solidFill>
-                  <a:srgbClr val="00B050"/>
-                </a:solidFill>
-              </a:rPr>
-              <a:t>be</a:t>
-            </a:r>
-            <a:endParaRPr lang="fr-FR" sz="6000" b="1" i="1" dirty="0">
-              <a:solidFill>
-                <a:srgbClr val="00B050"/>
-              </a:solidFill>
-            </a:endParaRPr>
+              <a:rPr lang="en-GB" sz="6000" b="1" i="1" dirty="0"/>
+              <a:t> be</a:t>
+            </a:r>
+            <a:endParaRPr lang="fr-FR" sz="6000" b="1" i="1" dirty="0"/>
           </a:p>
         </p:txBody>
       </p:sp>
@@ -5187,24 +4740,16 @@
           </a:bodyPr>
           <a:lstStyle/>
           <a:p>
-            <a:r>
-              <a:rPr lang="en-GB" sz="6600" b="1" dirty="0" smtClean="0"/>
-              <a:t/>
-            </a:r>
             <a:br>
-              <a:rPr lang="en-GB" sz="6600" b="1" dirty="0" smtClean="0"/>
+              <a:rPr lang="en-GB" sz="6600" b="1" dirty="0"/>
             </a:br>
             <a:r>
-              <a:rPr lang="en-GB" sz="5400" b="1" dirty="0" smtClean="0"/>
+              <a:rPr lang="en-GB" sz="5400" b="1" dirty="0"/>
               <a:t>1</a:t>
             </a:r>
             <a:r>
               <a:rPr lang="en-GB" sz="6000" b="1" dirty="0"/>
-              <a:t>-</a:t>
-            </a:r>
-            <a:r>
-              <a:rPr lang="en-GB" sz="6000" b="1" dirty="0" smtClean="0"/>
-              <a:t>Mitsangana </a:t>
+              <a:t>-Mitsangana </a:t>
             </a:r>
             <a:r>
               <a:rPr lang="en-GB" sz="6000" b="1" dirty="0" err="1"/>
@@ -5215,24 +4760,20 @@
               <a:t> </a:t>
             </a:r>
             <a:r>
-              <a:rPr lang="en-GB" sz="6000" b="1" dirty="0" err="1" smtClean="0"/>
+              <a:rPr lang="en-GB" sz="6000" b="1" dirty="0" err="1"/>
               <a:t>ry</a:t>
             </a:r>
             <a:r>
-              <a:rPr lang="en-GB" sz="6000" b="1" dirty="0" smtClean="0"/>
-              <a:t> </a:t>
-            </a:r>
-            <a:r>
-              <a:rPr lang="en-GB" sz="6000" b="1" dirty="0" err="1" smtClean="0"/>
+              <a:rPr lang="en-GB" sz="6000" b="1" dirty="0"/>
+              <a:t> </a:t>
+            </a:r>
+            <a:r>
+              <a:rPr lang="en-GB" sz="6000" b="1" dirty="0" err="1"/>
               <a:t>mino</a:t>
             </a:r>
             <a:r>
               <a:rPr lang="en-GB" sz="6000" b="1" dirty="0"/>
               <a:t>,</a:t>
-            </a:r>
-            <a:r>
-              <a:rPr lang="fr-FR" sz="6000" b="1" dirty="0"/>
-              <a:t/>
             </a:r>
             <a:br>
               <a:rPr lang="fr-FR" sz="6000" b="1" dirty="0"/>
@@ -5265,10 +4806,6 @@
               <a:rPr lang="en-GB" sz="6000" b="1" dirty="0"/>
               <a:t> ;</a:t>
             </a:r>
-            <a:r>
-              <a:rPr lang="fr-FR" sz="6000" b="1" dirty="0"/>
-              <a:t/>
-            </a:r>
             <a:br>
               <a:rPr lang="fr-FR" sz="6000" b="1" dirty="0"/>
             </a:br>
@@ -5300,10 +4837,6 @@
               <a:rPr lang="en-GB" sz="6000" b="1" dirty="0"/>
               <a:t>,</a:t>
             </a:r>
-            <a:r>
-              <a:rPr lang="fr-FR" sz="6000" b="1" dirty="0"/>
-              <a:t/>
-            </a:r>
             <a:br>
               <a:rPr lang="fr-FR" sz="6000" b="1" dirty="0"/>
             </a:br>
@@ -5312,11 +4845,11 @@
               <a:t>       </a:t>
             </a:r>
             <a:r>
-              <a:rPr lang="en-GB" sz="6000" b="1" dirty="0" err="1" smtClean="0"/>
+              <a:rPr lang="en-GB" sz="6000" b="1" dirty="0" err="1"/>
               <a:t>mivonona</a:t>
             </a:r>
             <a:r>
-              <a:rPr lang="en-GB" sz="6000" b="1" dirty="0" smtClean="0"/>
+              <a:rPr lang="en-GB" sz="6000" b="1" dirty="0"/>
               <a:t> </a:t>
             </a:r>
             <a:r>
@@ -5326,10 +4859,6 @@
             <a:r>
               <a:rPr lang="en-GB" sz="6000" b="1" dirty="0"/>
               <a:t> ;</a:t>
-            </a:r>
-            <a:r>
-              <a:rPr lang="fr-FR" sz="6000" b="1" dirty="0"/>
-              <a:t/>
             </a:r>
             <a:br>
               <a:rPr lang="fr-FR" sz="6000" b="1" dirty="0"/>
@@ -5517,11 +5046,11 @@
           <a:lstStyle/>
           <a:p>
             <a:r>
-              <a:rPr lang="en-GB" sz="6000" b="1" dirty="0" err="1" smtClean="0"/>
+              <a:rPr lang="en-GB" sz="6000" b="1" dirty="0" err="1"/>
               <a:t>Ny</a:t>
             </a:r>
             <a:r>
-              <a:rPr lang="en-GB" sz="6000" b="1" dirty="0" smtClean="0"/>
+              <a:rPr lang="en-GB" sz="6000" b="1" dirty="0"/>
               <a:t> </a:t>
             </a:r>
             <a:r>
@@ -5555,10 +5084,6 @@
             <a:r>
               <a:rPr lang="en-GB" sz="6000" b="1" dirty="0"/>
               <a:t>,</a:t>
-            </a:r>
-            <a:r>
-              <a:rPr lang="fr-FR" sz="6000" b="1" dirty="0"/>
-              <a:t/>
             </a:r>
             <a:br>
               <a:rPr lang="fr-FR" sz="6000" b="1" dirty="0"/>
@@ -5591,10 +5116,6 @@
               <a:rPr lang="en-GB" sz="6000" b="1" dirty="0"/>
               <a:t> ;</a:t>
             </a:r>
-            <a:r>
-              <a:rPr lang="fr-FR" sz="6000" b="1" dirty="0"/>
-              <a:t/>
-            </a:r>
             <a:br>
               <a:rPr lang="fr-FR" sz="6000" b="1" dirty="0"/>
             </a:br>
@@ -5626,24 +5147,12 @@
               <a:rPr lang="en-GB" sz="6000" b="1" dirty="0"/>
               <a:t>,</a:t>
             </a:r>
-            <a:r>
-              <a:rPr lang="fr-FR" sz="6000" b="1" dirty="0"/>
-              <a:t/>
-            </a:r>
             <a:br>
               <a:rPr lang="fr-FR" sz="6000" b="1" dirty="0"/>
             </a:br>
             <a:r>
               <a:rPr lang="en-GB" sz="6000" b="1" dirty="0"/>
-              <a:t>  </a:t>
-            </a:r>
-            <a:r>
-              <a:rPr lang="en-GB" sz="6000" b="1" dirty="0" smtClean="0"/>
-              <a:t>‘</a:t>
-            </a:r>
-            <a:r>
-              <a:rPr lang="en-GB" sz="6000" b="1" dirty="0"/>
-              <a:t>Lay </a:t>
+              <a:t>  ‘Lay </a:t>
             </a:r>
             <a:r>
               <a:rPr lang="en-GB" sz="6000" b="1" dirty="0" err="1"/>
@@ -5654,7 +5163,7 @@
               <a:t> </a:t>
             </a:r>
             <a:r>
-              <a:rPr lang="en-GB" sz="6000" b="1" dirty="0" err="1" smtClean="0"/>
+              <a:rPr lang="en-GB" sz="6000" b="1" dirty="0" err="1"/>
               <a:t>momba</a:t>
             </a:r>
             <a:r>
@@ -5662,11 +5171,11 @@
               <a:t> </a:t>
             </a:r>
             <a:r>
-              <a:rPr lang="en-GB" sz="6000" b="1" dirty="0" err="1" smtClean="0"/>
+              <a:rPr lang="en-GB" sz="6000" b="1" dirty="0" err="1"/>
               <a:t>anao</a:t>
             </a:r>
             <a:r>
-              <a:rPr lang="en-GB" sz="6000" b="1" dirty="0" smtClean="0"/>
+              <a:rPr lang="en-GB" sz="6000" b="1" dirty="0"/>
               <a:t>.</a:t>
             </a:r>
             <a:endParaRPr lang="fr-FR" sz="6000" b="1" dirty="0"/>
@@ -5860,350 +5369,154 @@
           </a:bodyPr>
           <a:lstStyle/>
           <a:p>
-            <a:r>
-              <a:rPr lang="en-GB" sz="6000" b="1" i="1" dirty="0" smtClean="0">
-                <a:solidFill>
-                  <a:srgbClr val="00B050"/>
-                </a:solidFill>
-              </a:rPr>
-              <a:t/>
-            </a:r>
             <a:br>
-              <a:rPr lang="en-GB" sz="6000" b="1" i="1" dirty="0" smtClean="0">
-                <a:solidFill>
-                  <a:srgbClr val="00B050"/>
-                </a:solidFill>
-              </a:rPr>
+              <a:rPr lang="en-GB" sz="6000" b="1" i="1" dirty="0"/>
             </a:br>
             <a:r>
-              <a:rPr lang="en-GB" sz="6000" b="1" i="1" dirty="0" err="1" smtClean="0">
-                <a:solidFill>
-                  <a:srgbClr val="00B050"/>
-                </a:solidFill>
-              </a:rPr>
+              <a:rPr lang="en-GB" sz="6000" b="1" i="1" dirty="0" err="1"/>
               <a:t>Mbola</a:t>
             </a:r>
             <a:r>
-              <a:rPr lang="en-GB" sz="6000" b="1" i="1" dirty="0" smtClean="0">
-                <a:solidFill>
-                  <a:srgbClr val="00B050"/>
-                </a:solidFill>
-              </a:rPr>
-              <a:t> </a:t>
-            </a:r>
-            <a:r>
-              <a:rPr lang="en-GB" sz="6000" b="1" i="1" dirty="0" err="1" smtClean="0">
-                <a:solidFill>
-                  <a:srgbClr val="00B050"/>
-                </a:solidFill>
-              </a:rPr>
+              <a:rPr lang="en-GB" sz="6000" b="1" i="1" dirty="0"/>
+              <a:t> </a:t>
+            </a:r>
+            <a:r>
+              <a:rPr lang="en-GB" sz="6000" b="1" i="1" dirty="0" err="1"/>
               <a:t>ho</a:t>
             </a:r>
             <a:r>
-              <a:rPr lang="en-GB" sz="6000" b="1" i="1" dirty="0" smtClean="0">
-                <a:solidFill>
-                  <a:srgbClr val="00B050"/>
-                </a:solidFill>
-              </a:rPr>
-              <a:t> </a:t>
-            </a:r>
-            <a:r>
-              <a:rPr lang="en-GB" sz="6000" b="1" i="1" dirty="0" err="1" smtClean="0">
-                <a:solidFill>
-                  <a:srgbClr val="00B050"/>
-                </a:solidFill>
-              </a:rPr>
+              <a:rPr lang="en-GB" sz="6000" b="1" i="1" dirty="0"/>
+              <a:t> </a:t>
+            </a:r>
+            <a:r>
+              <a:rPr lang="en-GB" sz="6000" b="1" i="1" dirty="0" err="1"/>
               <a:t>avy</a:t>
             </a:r>
             <a:r>
-              <a:rPr lang="en-GB" sz="6000" b="1" i="1" dirty="0" smtClean="0">
-                <a:solidFill>
-                  <a:srgbClr val="00B050"/>
-                </a:solidFill>
-              </a:rPr>
-              <a:t> </a:t>
-            </a:r>
-            <a:r>
-              <a:rPr lang="en-GB" sz="6000" b="1" i="1" dirty="0" err="1" smtClean="0">
-                <a:solidFill>
-                  <a:srgbClr val="00B050"/>
-                </a:solidFill>
-              </a:rPr>
+              <a:rPr lang="en-GB" sz="6000" b="1" i="1" dirty="0"/>
+              <a:t> </a:t>
+            </a:r>
+            <a:r>
+              <a:rPr lang="en-GB" sz="6000" b="1" i="1" dirty="0" err="1"/>
               <a:t>ny</a:t>
             </a:r>
             <a:r>
-              <a:rPr lang="en-GB" sz="6000" b="1" i="1" dirty="0" smtClean="0">
-                <a:solidFill>
-                  <a:srgbClr val="00B050"/>
-                </a:solidFill>
-              </a:rPr>
-              <a:t> </a:t>
-            </a:r>
-            <a:r>
-              <a:rPr lang="en-GB" sz="6000" b="1" i="1" dirty="0" err="1" smtClean="0">
-                <a:solidFill>
-                  <a:srgbClr val="00B050"/>
-                </a:solidFill>
-              </a:rPr>
+              <a:rPr lang="en-GB" sz="6000" b="1" i="1" dirty="0"/>
+              <a:t> </a:t>
+            </a:r>
+            <a:r>
+              <a:rPr lang="en-GB" sz="6000" b="1" i="1" dirty="0" err="1"/>
               <a:t>maraina</a:t>
             </a:r>
-            <a:r>
-              <a:rPr lang="fr-FR" sz="6000" b="1" i="1" dirty="0" smtClean="0">
-                <a:solidFill>
-                  <a:srgbClr val="00B050"/>
-                </a:solidFill>
-              </a:rPr>
-              <a:t/>
-            </a:r>
             <a:br>
-              <a:rPr lang="fr-FR" sz="6000" b="1" i="1" dirty="0" smtClean="0">
-                <a:solidFill>
-                  <a:srgbClr val="00B050"/>
-                </a:solidFill>
-              </a:rPr>
+              <a:rPr lang="fr-FR" sz="6000" b="1" i="1" dirty="0"/>
             </a:br>
             <a:r>
-              <a:rPr lang="en-GB" sz="6000" b="1" i="1" dirty="0" smtClean="0">
-                <a:solidFill>
-                  <a:srgbClr val="00B050"/>
-                </a:solidFill>
-              </a:rPr>
+              <a:rPr lang="en-GB" sz="6000" b="1" i="1" dirty="0"/>
               <a:t>      ‘</a:t>
             </a:r>
             <a:r>
-              <a:rPr lang="en-GB" sz="6000" b="1" i="1" dirty="0" err="1" smtClean="0">
-                <a:solidFill>
-                  <a:srgbClr val="00B050"/>
-                </a:solidFill>
-              </a:rPr>
+              <a:rPr lang="en-GB" sz="6000" b="1" i="1" dirty="0" err="1"/>
               <a:t>Zay</a:t>
             </a:r>
             <a:r>
-              <a:rPr lang="en-GB" sz="6000" b="1" i="1" dirty="0" smtClean="0">
-                <a:solidFill>
-                  <a:srgbClr val="00B050"/>
-                </a:solidFill>
-              </a:rPr>
-              <a:t> </a:t>
-            </a:r>
-            <a:r>
-              <a:rPr lang="en-GB" sz="6000" b="1" i="1" dirty="0" err="1" smtClean="0">
-                <a:solidFill>
-                  <a:srgbClr val="00B050"/>
-                </a:solidFill>
-              </a:rPr>
+              <a:rPr lang="en-GB" sz="6000" b="1" i="1" dirty="0"/>
+              <a:t> </a:t>
+            </a:r>
+            <a:r>
+              <a:rPr lang="en-GB" sz="6000" b="1" i="1" dirty="0" err="1"/>
               <a:t>mitondra</a:t>
             </a:r>
             <a:r>
-              <a:rPr lang="en-GB" sz="6000" b="1" i="1" dirty="0" smtClean="0">
-                <a:solidFill>
-                  <a:srgbClr val="00B050"/>
-                </a:solidFill>
-              </a:rPr>
-              <a:t> </a:t>
-            </a:r>
-            <a:r>
-              <a:rPr lang="en-GB" sz="6000" b="1" i="1" dirty="0" err="1" smtClean="0">
-                <a:solidFill>
-                  <a:srgbClr val="00B050"/>
-                </a:solidFill>
-              </a:rPr>
+              <a:rPr lang="en-GB" sz="6000" b="1" i="1" dirty="0"/>
+              <a:t> </a:t>
+            </a:r>
+            <a:r>
+              <a:rPr lang="en-GB" sz="6000" b="1" i="1" dirty="0" err="1"/>
               <a:t>hery</a:t>
             </a:r>
             <a:r>
-              <a:rPr lang="en-GB" sz="6000" b="1" i="1" dirty="0" smtClean="0">
-                <a:solidFill>
-                  <a:srgbClr val="00B050"/>
-                </a:solidFill>
-              </a:rPr>
-              <a:t> </a:t>
-            </a:r>
-            <a:r>
-              <a:rPr lang="en-GB" sz="6000" b="1" i="1" dirty="0" err="1" smtClean="0">
-                <a:solidFill>
-                  <a:srgbClr val="00B050"/>
-                </a:solidFill>
-              </a:rPr>
+              <a:rPr lang="en-GB" sz="6000" b="1" i="1" dirty="0"/>
+              <a:t> </a:t>
+            </a:r>
+            <a:r>
+              <a:rPr lang="en-GB" sz="6000" b="1" i="1" dirty="0" err="1"/>
               <a:t>vao</a:t>
             </a:r>
-            <a:r>
-              <a:rPr lang="fr-FR" sz="6000" b="1" i="1" dirty="0" smtClean="0">
-                <a:solidFill>
-                  <a:srgbClr val="00B050"/>
-                </a:solidFill>
-              </a:rPr>
-              <a:t/>
-            </a:r>
             <a:br>
-              <a:rPr lang="fr-FR" sz="6000" b="1" i="1" dirty="0" smtClean="0">
-                <a:solidFill>
-                  <a:srgbClr val="00B050"/>
-                </a:solidFill>
-              </a:rPr>
+              <a:rPr lang="fr-FR" sz="6000" b="1" i="1" dirty="0"/>
             </a:br>
             <a:r>
-              <a:rPr lang="en-GB" sz="6000" b="1" i="1" dirty="0" smtClean="0">
-                <a:solidFill>
-                  <a:srgbClr val="00B050"/>
-                </a:solidFill>
-              </a:rPr>
+              <a:rPr lang="en-GB" sz="6000" b="1" i="1" dirty="0"/>
               <a:t>      </a:t>
             </a:r>
             <a:r>
-              <a:rPr lang="en-GB" sz="6000" b="1" i="1" dirty="0" err="1" smtClean="0">
-                <a:solidFill>
-                  <a:srgbClr val="00B050"/>
-                </a:solidFill>
-              </a:rPr>
+              <a:rPr lang="en-GB" sz="6000" b="1" i="1" dirty="0" err="1"/>
               <a:t>Ry</a:t>
             </a:r>
             <a:r>
-              <a:rPr lang="en-GB" sz="6000" b="1" i="1" dirty="0" smtClean="0">
-                <a:solidFill>
-                  <a:srgbClr val="00B050"/>
-                </a:solidFill>
-              </a:rPr>
-              <a:t> </a:t>
-            </a:r>
-            <a:r>
-              <a:rPr lang="en-GB" sz="6000" b="1" i="1" dirty="0" err="1" smtClean="0">
-                <a:solidFill>
-                  <a:srgbClr val="00B050"/>
-                </a:solidFill>
-              </a:rPr>
+              <a:rPr lang="en-GB" sz="6000" b="1" i="1" dirty="0"/>
+              <a:t> </a:t>
+            </a:r>
+            <a:r>
+              <a:rPr lang="en-GB" sz="6000" b="1" i="1" dirty="0" err="1"/>
               <a:t>mpiambina</a:t>
             </a:r>
             <a:r>
-              <a:rPr lang="en-GB" sz="6000" b="1" i="1" dirty="0" smtClean="0">
-                <a:solidFill>
-                  <a:srgbClr val="00B050"/>
-                </a:solidFill>
-              </a:rPr>
-              <a:t> </a:t>
-            </a:r>
-            <a:r>
-              <a:rPr lang="en-GB" sz="6000" b="1" i="1" dirty="0" err="1" smtClean="0">
-                <a:solidFill>
-                  <a:srgbClr val="00B050"/>
-                </a:solidFill>
-              </a:rPr>
+              <a:rPr lang="en-GB" sz="6000" b="1" i="1" dirty="0"/>
+              <a:t> </a:t>
+            </a:r>
+            <a:r>
+              <a:rPr lang="en-GB" sz="6000" b="1" i="1" dirty="0" err="1"/>
               <a:t>miarena</a:t>
             </a:r>
-            <a:r>
-              <a:rPr lang="fr-FR" sz="6000" b="1" i="1" dirty="0" smtClean="0">
-                <a:solidFill>
-                  <a:srgbClr val="00B050"/>
-                </a:solidFill>
-              </a:rPr>
-              <a:t/>
-            </a:r>
             <a:br>
-              <a:rPr lang="fr-FR" sz="6000" b="1" i="1" dirty="0" smtClean="0">
-                <a:solidFill>
-                  <a:srgbClr val="00B050"/>
-                </a:solidFill>
-              </a:rPr>
+              <a:rPr lang="fr-FR" sz="6000" b="1" i="1" dirty="0"/>
             </a:br>
             <a:r>
-              <a:rPr lang="en-GB" sz="6000" b="1" i="1" dirty="0" smtClean="0">
-                <a:solidFill>
-                  <a:srgbClr val="00B050"/>
-                </a:solidFill>
-              </a:rPr>
+              <a:rPr lang="en-GB" sz="6000" b="1" i="1" dirty="0"/>
               <a:t>      </a:t>
             </a:r>
             <a:r>
-              <a:rPr lang="en-GB" sz="6000" b="1" i="1" dirty="0" err="1" smtClean="0">
-                <a:solidFill>
-                  <a:srgbClr val="00B050"/>
-                </a:solidFill>
-              </a:rPr>
+              <a:rPr lang="en-GB" sz="6000" b="1" i="1" dirty="0" err="1"/>
               <a:t>Ka</a:t>
             </a:r>
             <a:r>
-              <a:rPr lang="en-GB" sz="6000" b="1" i="1" dirty="0" smtClean="0">
-                <a:solidFill>
-                  <a:srgbClr val="00B050"/>
-                </a:solidFill>
-              </a:rPr>
-              <a:t> </a:t>
-            </a:r>
-            <a:r>
-              <a:rPr lang="en-GB" sz="6000" b="1" i="1" dirty="0" err="1" smtClean="0">
-                <a:solidFill>
-                  <a:srgbClr val="00B050"/>
-                </a:solidFill>
-              </a:rPr>
+              <a:rPr lang="en-GB" sz="6000" b="1" i="1" dirty="0"/>
+              <a:t> </a:t>
+            </a:r>
+            <a:r>
+              <a:rPr lang="en-GB" sz="6000" b="1" i="1" dirty="0" err="1"/>
               <a:t>ingao</a:t>
             </a:r>
             <a:r>
-              <a:rPr lang="en-GB" sz="6000" b="1" i="1" dirty="0" smtClean="0">
-                <a:solidFill>
-                  <a:srgbClr val="00B050"/>
-                </a:solidFill>
-              </a:rPr>
-              <a:t> </a:t>
-            </a:r>
-            <a:r>
-              <a:rPr lang="en-GB" sz="6000" b="1" i="1" dirty="0" err="1" smtClean="0">
-                <a:solidFill>
-                  <a:srgbClr val="00B050"/>
-                </a:solidFill>
-              </a:rPr>
+              <a:rPr lang="en-GB" sz="6000" b="1" i="1" dirty="0"/>
+              <a:t> </a:t>
+            </a:r>
+            <a:r>
+              <a:rPr lang="en-GB" sz="6000" b="1" i="1" dirty="0" err="1"/>
               <a:t>ny</a:t>
             </a:r>
             <a:r>
-              <a:rPr lang="en-GB" sz="6000" b="1" i="1" dirty="0" smtClean="0">
-                <a:solidFill>
-                  <a:srgbClr val="00B050"/>
-                </a:solidFill>
-              </a:rPr>
-              <a:t> </a:t>
-            </a:r>
-            <a:r>
-              <a:rPr lang="en-GB" sz="6000" b="1" i="1" dirty="0" err="1" smtClean="0">
-                <a:solidFill>
-                  <a:srgbClr val="00B050"/>
-                </a:solidFill>
-              </a:rPr>
+              <a:rPr lang="en-GB" sz="6000" b="1" i="1" dirty="0"/>
+              <a:t> </a:t>
+            </a:r>
+            <a:r>
+              <a:rPr lang="en-GB" sz="6000" b="1" i="1" dirty="0" err="1"/>
               <a:t>zovinao</a:t>
             </a:r>
             <a:r>
-              <a:rPr lang="en-GB" sz="6000" b="1" i="1" dirty="0" smtClean="0">
-                <a:solidFill>
-                  <a:srgbClr val="00B050"/>
-                </a:solidFill>
-              </a:rPr>
+              <a:rPr lang="en-GB" sz="6000" b="1" i="1" dirty="0"/>
               <a:t> ;</a:t>
             </a:r>
-            <a:r>
-              <a:rPr lang="fr-FR" sz="6000" b="1" i="1" dirty="0" smtClean="0">
-                <a:solidFill>
-                  <a:srgbClr val="00B050"/>
-                </a:solidFill>
-              </a:rPr>
-              <a:t/>
-            </a:r>
             <a:br>
-              <a:rPr lang="fr-FR" sz="6000" b="1" i="1" dirty="0" smtClean="0">
-                <a:solidFill>
-                  <a:srgbClr val="00B050"/>
-                </a:solidFill>
-              </a:rPr>
+              <a:rPr lang="fr-FR" sz="6000" b="1" i="1" dirty="0"/>
             </a:br>
             <a:r>
-              <a:rPr lang="en-GB" sz="6000" b="1" i="1" dirty="0" smtClean="0">
-                <a:solidFill>
-                  <a:srgbClr val="00B050"/>
-                </a:solidFill>
-              </a:rPr>
+              <a:rPr lang="en-GB" sz="6000" b="1" i="1" dirty="0"/>
               <a:t>      </a:t>
             </a:r>
-            <a:endParaRPr lang="fr-FR" sz="6000" b="1" i="1" dirty="0">
-              <a:solidFill>
-                <a:srgbClr val="00B050"/>
-              </a:solidFill>
-            </a:endParaRPr>
+            <a:endParaRPr lang="fr-FR" sz="6000" b="1" i="1" dirty="0"/>
           </a:p>
         </p:txBody>
       </p:sp>
@@ -6587,271 +5900,95 @@
           <a:lstStyle/>
           <a:p>
             <a:r>
-              <a:rPr lang="en-GB" sz="6000" b="1" i="1" dirty="0" err="1" smtClean="0">
-                <a:solidFill>
-                  <a:srgbClr val="00B050"/>
-                </a:solidFill>
-              </a:rPr>
+              <a:rPr lang="en-GB" sz="6000" b="1" i="1" dirty="0" err="1"/>
               <a:t>Ambarao</a:t>
             </a:r>
             <a:r>
-              <a:rPr lang="en-GB" sz="6000" b="1" i="1" dirty="0" smtClean="0">
-                <a:solidFill>
-                  <a:srgbClr val="00B050"/>
-                </a:solidFill>
-              </a:rPr>
-              <a:t> </a:t>
-            </a:r>
-            <a:r>
-              <a:rPr lang="en-GB" sz="6000" b="1" i="1" dirty="0" err="1">
-                <a:solidFill>
-                  <a:srgbClr val="00B050"/>
-                </a:solidFill>
-              </a:rPr>
+              <a:rPr lang="en-GB" sz="6000" b="1" i="1" dirty="0"/>
+              <a:t> </a:t>
+            </a:r>
+            <a:r>
+              <a:rPr lang="en-GB" sz="6000" b="1" i="1" dirty="0" err="1"/>
               <a:t>fa</a:t>
             </a:r>
             <a:r>
-              <a:rPr lang="en-GB" sz="6000" b="1" i="1" dirty="0">
-                <a:solidFill>
-                  <a:srgbClr val="00B050"/>
-                </a:solidFill>
-              </a:rPr>
-              <a:t> </a:t>
-            </a:r>
-            <a:r>
-              <a:rPr lang="en-GB" sz="6000" b="1" i="1" dirty="0" err="1">
-                <a:solidFill>
-                  <a:srgbClr val="00B050"/>
-                </a:solidFill>
-              </a:rPr>
+              <a:rPr lang="en-GB" sz="6000" b="1" i="1" dirty="0"/>
+              <a:t> </a:t>
+            </a:r>
+            <a:r>
+              <a:rPr lang="en-GB" sz="6000" b="1" i="1" dirty="0" err="1"/>
               <a:t>ny</a:t>
             </a:r>
             <a:r>
-              <a:rPr lang="en-GB" sz="6000" b="1" i="1" dirty="0">
-                <a:solidFill>
-                  <a:srgbClr val="00B050"/>
-                </a:solidFill>
-              </a:rPr>
-              <a:t> </a:t>
-            </a:r>
-            <a:r>
-              <a:rPr lang="en-GB" sz="6000" b="1" i="1" dirty="0" err="1">
-                <a:solidFill>
-                  <a:srgbClr val="00B050"/>
-                </a:solidFill>
-              </a:rPr>
+              <a:rPr lang="en-GB" sz="6000" b="1" i="1" dirty="0"/>
+              <a:t> </a:t>
+            </a:r>
+            <a:r>
+              <a:rPr lang="en-GB" sz="6000" b="1" i="1" dirty="0" err="1"/>
               <a:t>haizina</a:t>
             </a:r>
-            <a:r>
-              <a:rPr lang="fr-FR" sz="6000" b="1" i="1" dirty="0">
-                <a:solidFill>
-                  <a:srgbClr val="00B050"/>
-                </a:solidFill>
-              </a:rPr>
-              <a:t/>
-            </a:r>
             <a:br>
-              <a:rPr lang="fr-FR" sz="6000" b="1" i="1" dirty="0">
-                <a:solidFill>
-                  <a:srgbClr val="00B050"/>
-                </a:solidFill>
-              </a:rPr>
+              <a:rPr lang="fr-FR" sz="6000" b="1" i="1" dirty="0"/>
             </a:br>
             <a:r>
-              <a:rPr lang="fr-FR" sz="6000" b="1" i="1" dirty="0" err="1" smtClean="0">
-                <a:solidFill>
-                  <a:srgbClr val="00B050"/>
-                </a:solidFill>
-              </a:rPr>
+              <a:rPr lang="fr-FR" sz="6000" b="1" i="1" dirty="0" err="1"/>
               <a:t>Indro</a:t>
             </a:r>
             <a:r>
-              <a:rPr lang="fr-FR" sz="6000" b="1" i="1" dirty="0" smtClean="0">
-                <a:solidFill>
-                  <a:srgbClr val="00B050"/>
-                </a:solidFill>
-              </a:rPr>
-              <a:t> </a:t>
-            </a:r>
-            <a:r>
-              <a:rPr lang="fr-FR" sz="6000" b="1" i="1" dirty="0" err="1">
-                <a:solidFill>
-                  <a:srgbClr val="00B050"/>
-                </a:solidFill>
-              </a:rPr>
+              <a:rPr lang="fr-FR" sz="6000" b="1" i="1" dirty="0"/>
+              <a:t> </a:t>
+            </a:r>
+            <a:r>
+              <a:rPr lang="fr-FR" sz="6000" b="1" i="1" dirty="0" err="1"/>
               <a:t>efa</a:t>
             </a:r>
             <a:r>
-              <a:rPr lang="fr-FR" sz="6000" b="1" i="1" dirty="0">
-                <a:solidFill>
-                  <a:srgbClr val="00B050"/>
-                </a:solidFill>
-              </a:rPr>
-              <a:t> </a:t>
-            </a:r>
-            <a:r>
-              <a:rPr lang="fr-FR" sz="6000" b="1" i="1" dirty="0" err="1">
-                <a:solidFill>
-                  <a:srgbClr val="00B050"/>
-                </a:solidFill>
-              </a:rPr>
-              <a:t>lasa</a:t>
-            </a:r>
-            <a:r>
-              <a:rPr lang="fr-FR" sz="6000" b="1" i="1" dirty="0">
-                <a:solidFill>
-                  <a:srgbClr val="00B050"/>
-                </a:solidFill>
-              </a:rPr>
-              <a:t> </a:t>
-            </a:r>
-            <a:r>
-              <a:rPr lang="fr-FR" sz="6000" b="1" i="1" dirty="0" err="1">
-                <a:solidFill>
-                  <a:srgbClr val="00B050"/>
-                </a:solidFill>
-              </a:rPr>
-              <a:t>re</a:t>
-            </a:r>
-            <a:r>
-              <a:rPr lang="fr-FR" sz="6000" b="1" i="1" dirty="0">
-                <a:solidFill>
-                  <a:srgbClr val="00B050"/>
-                </a:solidFill>
-              </a:rPr>
-              <a:t>,</a:t>
-            </a:r>
-            <a:r>
-              <a:rPr lang="fr-FR" sz="6000" b="1" i="1">
-                <a:solidFill>
-                  <a:srgbClr val="00B050"/>
-                </a:solidFill>
-              </a:rPr>
-              <a:t/>
+              <a:rPr lang="fr-FR" sz="6000" b="1" i="1" dirty="0"/>
+              <a:t> lasa re,</a:t>
             </a:r>
             <a:br>
-              <a:rPr lang="fr-FR" sz="6000" b="1" i="1">
-                <a:solidFill>
-                  <a:srgbClr val="00B050"/>
-                </a:solidFill>
-              </a:rPr>
+              <a:rPr lang="fr-FR" sz="6000" b="1" i="1" dirty="0"/>
             </a:br>
             <a:r>
-              <a:rPr lang="fr-FR" sz="6000" b="1" i="1" smtClean="0">
-                <a:solidFill>
-                  <a:srgbClr val="00B050"/>
-                </a:solidFill>
-              </a:rPr>
+              <a:rPr lang="fr-FR" sz="6000" b="1" i="1" dirty="0" err="1"/>
               <a:t>Efa</a:t>
             </a:r>
             <a:r>
-              <a:rPr lang="fr-FR" sz="6000" b="1" i="1" dirty="0" smtClean="0">
-                <a:solidFill>
-                  <a:srgbClr val="00B050"/>
-                </a:solidFill>
-              </a:rPr>
-              <a:t> </a:t>
-            </a:r>
-            <a:r>
-              <a:rPr lang="fr-FR" sz="6000" b="1" i="1" dirty="0" err="1">
-                <a:solidFill>
-                  <a:srgbClr val="00B050"/>
-                </a:solidFill>
-              </a:rPr>
-              <a:t>tonga</a:t>
-            </a:r>
-            <a:r>
-              <a:rPr lang="fr-FR" sz="6000" b="1" i="1" dirty="0">
-                <a:solidFill>
-                  <a:srgbClr val="00B050"/>
-                </a:solidFill>
-              </a:rPr>
-              <a:t> </a:t>
-            </a:r>
-            <a:r>
-              <a:rPr lang="fr-FR" sz="6000" b="1" i="1" dirty="0" err="1">
-                <a:solidFill>
-                  <a:srgbClr val="00B050"/>
-                </a:solidFill>
-              </a:rPr>
+              <a:rPr lang="fr-FR" sz="6000" b="1" i="1" dirty="0"/>
+              <a:t> tonga </a:t>
+            </a:r>
+            <a:r>
+              <a:rPr lang="fr-FR" sz="6000" b="1" i="1" dirty="0" err="1"/>
               <a:t>ny</a:t>
             </a:r>
             <a:r>
-              <a:rPr lang="fr-FR" sz="6000" b="1" i="1" dirty="0">
-                <a:solidFill>
-                  <a:srgbClr val="00B050"/>
-                </a:solidFill>
-              </a:rPr>
-              <a:t> </a:t>
-            </a:r>
-            <a:r>
-              <a:rPr lang="fr-FR" sz="6000" b="1" i="1" dirty="0" err="1">
-                <a:solidFill>
-                  <a:srgbClr val="00B050"/>
-                </a:solidFill>
-              </a:rPr>
+              <a:rPr lang="fr-FR" sz="6000" b="1" i="1" dirty="0"/>
+              <a:t> </a:t>
+            </a:r>
+            <a:r>
+              <a:rPr lang="fr-FR" sz="6000" b="1" i="1" dirty="0" err="1"/>
               <a:t>maraina</a:t>
             </a:r>
-            <a:r>
-              <a:rPr lang="fr-FR" sz="6000" b="1" i="1" dirty="0">
-                <a:solidFill>
-                  <a:srgbClr val="00B050"/>
-                </a:solidFill>
-              </a:rPr>
-              <a:t/>
-            </a:r>
             <a:br>
-              <a:rPr lang="fr-FR" sz="6000" b="1" i="1" dirty="0">
-                <a:solidFill>
-                  <a:srgbClr val="00B050"/>
-                </a:solidFill>
-              </a:rPr>
+              <a:rPr lang="fr-FR" sz="6000" b="1" i="1" dirty="0"/>
             </a:br>
             <a:r>
-              <a:rPr lang="en-GB" sz="6000" b="1" i="1" dirty="0" err="1" smtClean="0">
-                <a:solidFill>
-                  <a:srgbClr val="00B050"/>
-                </a:solidFill>
-              </a:rPr>
+              <a:rPr lang="en-GB" sz="6000" b="1" i="1" dirty="0" err="1"/>
               <a:t>Hisy</a:t>
             </a:r>
             <a:r>
-              <a:rPr lang="en-GB" sz="6000" b="1" i="1" dirty="0" smtClean="0">
-                <a:solidFill>
-                  <a:srgbClr val="00B050"/>
-                </a:solidFill>
-              </a:rPr>
-              <a:t> </a:t>
-            </a:r>
-            <a:r>
-              <a:rPr lang="en-GB" sz="6000" b="1" i="1" dirty="0" err="1">
-                <a:solidFill>
-                  <a:srgbClr val="00B050"/>
-                </a:solidFill>
-              </a:rPr>
+              <a:rPr lang="en-GB" sz="6000" b="1" i="1" dirty="0"/>
+              <a:t> </a:t>
+            </a:r>
+            <a:r>
+              <a:rPr lang="en-GB" sz="6000" b="1" i="1" dirty="0" err="1"/>
               <a:t>hazavana</a:t>
             </a:r>
             <a:r>
-              <a:rPr lang="en-GB" sz="6000" b="1" i="1" dirty="0">
-                <a:solidFill>
-                  <a:srgbClr val="00B050"/>
-                </a:solidFill>
-              </a:rPr>
-              <a:t> </a:t>
-            </a:r>
-            <a:r>
-              <a:rPr lang="en-GB" sz="6000" b="1" i="1" dirty="0" smtClean="0">
-                <a:solidFill>
-                  <a:srgbClr val="00B050"/>
-                </a:solidFill>
-              </a:rPr>
-              <a:t>be</a:t>
-            </a:r>
-            <a:endParaRPr lang="fr-FR" sz="6000" b="1" i="1" dirty="0">
-              <a:solidFill>
-                <a:srgbClr val="00B050"/>
-              </a:solidFill>
-            </a:endParaRPr>
+              <a:rPr lang="en-GB" sz="6000" b="1" i="1" dirty="0"/>
+              <a:t> be</a:t>
+            </a:r>
+            <a:endParaRPr lang="fr-FR" sz="6000" b="1" i="1" dirty="0"/>
           </a:p>
         </p:txBody>
       </p:sp>
@@ -7043,7 +6180,7 @@
           <a:lstStyle/>
           <a:p>
             <a:r>
-              <a:rPr lang="en-GB" sz="6000" b="1" dirty="0" smtClean="0"/>
+              <a:rPr lang="en-GB" sz="6000" b="1" dirty="0"/>
               <a:t>2- </a:t>
             </a:r>
             <a:r>
@@ -7077,10 +6214,6 @@
             <a:r>
               <a:rPr lang="en-GB" sz="6000" b="1" dirty="0"/>
               <a:t>,</a:t>
-            </a:r>
-            <a:r>
-              <a:rPr lang="fr-FR" sz="6000" b="1" dirty="0"/>
-              <a:t/>
             </a:r>
             <a:br>
               <a:rPr lang="fr-FR" sz="6000" b="1" dirty="0"/>
@@ -7113,10 +6246,6 @@
               <a:rPr lang="en-GB" sz="6000" b="1" dirty="0"/>
               <a:t> ;</a:t>
             </a:r>
-            <a:r>
-              <a:rPr lang="fr-FR" sz="6000" b="1" dirty="0"/>
-              <a:t/>
-            </a:r>
             <a:br>
               <a:rPr lang="fr-FR" sz="6000" b="1" dirty="0"/>
             </a:br>
@@ -7152,10 +6281,6 @@
               <a:rPr lang="en-GB" sz="6000" b="1" dirty="0" err="1"/>
               <a:t>mihafy</a:t>
             </a:r>
-            <a:r>
-              <a:rPr lang="fr-FR" sz="6000" b="1" dirty="0"/>
-              <a:t/>
-            </a:r>
             <a:br>
               <a:rPr lang="fr-FR" sz="6000" b="1" dirty="0"/>
             </a:br>
@@ -7185,11 +6310,7 @@
             </a:r>
             <a:r>
               <a:rPr lang="en-GB" sz="6000" b="1" dirty="0"/>
-              <a:t> </a:t>
-            </a:r>
-            <a:r>
-              <a:rPr lang="en-GB" sz="6000" b="1" dirty="0" smtClean="0"/>
-              <a:t>;</a:t>
+              <a:t> ;</a:t>
             </a:r>
             <a:endParaRPr lang="fr-FR" sz="6000" b="1" dirty="0"/>
           </a:p>
@@ -7370,11 +6491,11 @@
           <a:lstStyle/>
           <a:p>
             <a:r>
-              <a:rPr lang="en-GB" sz="6000" b="1" dirty="0" err="1" smtClean="0"/>
+              <a:rPr lang="en-GB" sz="6000" b="1" dirty="0" err="1"/>
               <a:t>Raha</a:t>
             </a:r>
             <a:r>
-              <a:rPr lang="en-GB" sz="6000" b="1" dirty="0" smtClean="0"/>
+              <a:rPr lang="en-GB" sz="6000" b="1" dirty="0"/>
               <a:t> </a:t>
             </a:r>
             <a:r>
@@ -7392,20 +6513,16 @@
             <a:r>
               <a:rPr lang="en-GB" sz="6000" b="1" dirty="0"/>
               <a:t>,</a:t>
-            </a:r>
-            <a:r>
-              <a:rPr lang="fr-FR" sz="6000" b="1" dirty="0"/>
-              <a:t/>
             </a:r>
             <a:br>
               <a:rPr lang="fr-FR" sz="6000" b="1" dirty="0"/>
             </a:br>
             <a:r>
-              <a:rPr lang="en-GB" sz="6000" b="1" dirty="0" err="1" smtClean="0"/>
+              <a:rPr lang="en-GB" sz="6000" b="1" dirty="0" err="1"/>
               <a:t>Hisy</a:t>
             </a:r>
             <a:r>
-              <a:rPr lang="en-GB" sz="6000" b="1" dirty="0" smtClean="0"/>
+              <a:rPr lang="en-GB" sz="6000" b="1" dirty="0"/>
               <a:t> </a:t>
             </a:r>
             <a:r>
@@ -7415,20 +6532,16 @@
             <a:r>
               <a:rPr lang="en-GB" sz="6000" b="1" dirty="0"/>
               <a:t> be ;</a:t>
-            </a:r>
-            <a:r>
-              <a:rPr lang="fr-FR" sz="6000" b="1" dirty="0"/>
-              <a:t/>
             </a:r>
             <a:br>
               <a:rPr lang="fr-FR" sz="6000" b="1" dirty="0"/>
             </a:br>
             <a:r>
-              <a:rPr lang="en-GB" sz="6000" b="1" dirty="0" err="1" smtClean="0"/>
+              <a:rPr lang="en-GB" sz="6000" b="1" dirty="0" err="1"/>
               <a:t>Ny</a:t>
             </a:r>
             <a:r>
-              <a:rPr lang="en-GB" sz="6000" b="1" dirty="0" smtClean="0"/>
+              <a:rPr lang="en-GB" sz="6000" b="1" dirty="0"/>
               <a:t> </a:t>
             </a:r>
             <a:r>
@@ -7442,20 +6555,16 @@
             <a:r>
               <a:rPr lang="en-GB" sz="6000" b="1" dirty="0" err="1"/>
               <a:t>lao</a:t>
-            </a:r>
-            <a:r>
-              <a:rPr lang="fr-FR" sz="6000" b="1" dirty="0"/>
-              <a:t/>
             </a:r>
             <a:br>
               <a:rPr lang="fr-FR" sz="6000" b="1" dirty="0"/>
             </a:br>
             <a:r>
-              <a:rPr lang="en-GB" sz="6000" b="1" dirty="0" err="1" smtClean="0"/>
+              <a:rPr lang="en-GB" sz="6000" b="1" dirty="0" err="1"/>
               <a:t>Tapi-dalana</a:t>
             </a:r>
             <a:r>
-              <a:rPr lang="en-GB" sz="6000" b="1" dirty="0" smtClean="0"/>
+              <a:rPr lang="en-GB" sz="6000" b="1" dirty="0"/>
               <a:t> </a:t>
             </a:r>
             <a:r>
@@ -7657,350 +6766,154 @@
           </a:bodyPr>
           <a:lstStyle/>
           <a:p>
-            <a:r>
-              <a:rPr lang="en-GB" sz="6000" b="1" i="1" dirty="0" smtClean="0">
-                <a:solidFill>
-                  <a:srgbClr val="00B050"/>
-                </a:solidFill>
-              </a:rPr>
-              <a:t/>
-            </a:r>
             <a:br>
-              <a:rPr lang="en-GB" sz="6000" b="1" i="1" dirty="0" smtClean="0">
-                <a:solidFill>
-                  <a:srgbClr val="00B050"/>
-                </a:solidFill>
-              </a:rPr>
+              <a:rPr lang="en-GB" sz="6000" b="1" i="1" dirty="0"/>
             </a:br>
             <a:r>
-              <a:rPr lang="en-GB" sz="6000" b="1" i="1" dirty="0" err="1" smtClean="0">
-                <a:solidFill>
-                  <a:srgbClr val="00B050"/>
-                </a:solidFill>
-              </a:rPr>
+              <a:rPr lang="en-GB" sz="6000" b="1" i="1" dirty="0" err="1"/>
               <a:t>Mbola</a:t>
             </a:r>
             <a:r>
-              <a:rPr lang="en-GB" sz="6000" b="1" i="1" dirty="0" smtClean="0">
-                <a:solidFill>
-                  <a:srgbClr val="00B050"/>
-                </a:solidFill>
-              </a:rPr>
-              <a:t> </a:t>
-            </a:r>
-            <a:r>
-              <a:rPr lang="en-GB" sz="6000" b="1" i="1" dirty="0" err="1" smtClean="0">
-                <a:solidFill>
-                  <a:srgbClr val="00B050"/>
-                </a:solidFill>
-              </a:rPr>
+              <a:rPr lang="en-GB" sz="6000" b="1" i="1" dirty="0"/>
+              <a:t> </a:t>
+            </a:r>
+            <a:r>
+              <a:rPr lang="en-GB" sz="6000" b="1" i="1" dirty="0" err="1"/>
               <a:t>ho</a:t>
             </a:r>
             <a:r>
-              <a:rPr lang="en-GB" sz="6000" b="1" i="1" dirty="0" smtClean="0">
-                <a:solidFill>
-                  <a:srgbClr val="00B050"/>
-                </a:solidFill>
-              </a:rPr>
-              <a:t> </a:t>
-            </a:r>
-            <a:r>
-              <a:rPr lang="en-GB" sz="6000" b="1" i="1" dirty="0" err="1" smtClean="0">
-                <a:solidFill>
-                  <a:srgbClr val="00B050"/>
-                </a:solidFill>
-              </a:rPr>
+              <a:rPr lang="en-GB" sz="6000" b="1" i="1" dirty="0"/>
+              <a:t> </a:t>
+            </a:r>
+            <a:r>
+              <a:rPr lang="en-GB" sz="6000" b="1" i="1" dirty="0" err="1"/>
               <a:t>avy</a:t>
             </a:r>
             <a:r>
-              <a:rPr lang="en-GB" sz="6000" b="1" i="1" dirty="0" smtClean="0">
-                <a:solidFill>
-                  <a:srgbClr val="00B050"/>
-                </a:solidFill>
-              </a:rPr>
-              <a:t> </a:t>
-            </a:r>
-            <a:r>
-              <a:rPr lang="en-GB" sz="6000" b="1" i="1" dirty="0" err="1" smtClean="0">
-                <a:solidFill>
-                  <a:srgbClr val="00B050"/>
-                </a:solidFill>
-              </a:rPr>
+              <a:rPr lang="en-GB" sz="6000" b="1" i="1" dirty="0"/>
+              <a:t> </a:t>
+            </a:r>
+            <a:r>
+              <a:rPr lang="en-GB" sz="6000" b="1" i="1" dirty="0" err="1"/>
               <a:t>ny</a:t>
             </a:r>
             <a:r>
-              <a:rPr lang="en-GB" sz="6000" b="1" i="1" dirty="0" smtClean="0">
-                <a:solidFill>
-                  <a:srgbClr val="00B050"/>
-                </a:solidFill>
-              </a:rPr>
-              <a:t> </a:t>
-            </a:r>
-            <a:r>
-              <a:rPr lang="en-GB" sz="6000" b="1" i="1" dirty="0" err="1" smtClean="0">
-                <a:solidFill>
-                  <a:srgbClr val="00B050"/>
-                </a:solidFill>
-              </a:rPr>
+              <a:rPr lang="en-GB" sz="6000" b="1" i="1" dirty="0"/>
+              <a:t> </a:t>
+            </a:r>
+            <a:r>
+              <a:rPr lang="en-GB" sz="6000" b="1" i="1" dirty="0" err="1"/>
               <a:t>maraina</a:t>
             </a:r>
-            <a:r>
-              <a:rPr lang="fr-FR" sz="6000" b="1" i="1" dirty="0" smtClean="0">
-                <a:solidFill>
-                  <a:srgbClr val="00B050"/>
-                </a:solidFill>
-              </a:rPr>
-              <a:t/>
-            </a:r>
             <a:br>
-              <a:rPr lang="fr-FR" sz="6000" b="1" i="1" dirty="0" smtClean="0">
-                <a:solidFill>
-                  <a:srgbClr val="00B050"/>
-                </a:solidFill>
-              </a:rPr>
+              <a:rPr lang="fr-FR" sz="6000" b="1" i="1" dirty="0"/>
             </a:br>
             <a:r>
-              <a:rPr lang="en-GB" sz="6000" b="1" i="1" dirty="0" smtClean="0">
-                <a:solidFill>
-                  <a:srgbClr val="00B050"/>
-                </a:solidFill>
-              </a:rPr>
+              <a:rPr lang="en-GB" sz="6000" b="1" i="1" dirty="0"/>
               <a:t>  ‘</a:t>
             </a:r>
             <a:r>
-              <a:rPr lang="en-GB" sz="6000" b="1" i="1" dirty="0" err="1" smtClean="0">
-                <a:solidFill>
-                  <a:srgbClr val="00B050"/>
-                </a:solidFill>
-              </a:rPr>
+              <a:rPr lang="en-GB" sz="6000" b="1" i="1" dirty="0" err="1"/>
               <a:t>Zay</a:t>
             </a:r>
             <a:r>
-              <a:rPr lang="en-GB" sz="6000" b="1" i="1" dirty="0" smtClean="0">
-                <a:solidFill>
-                  <a:srgbClr val="00B050"/>
-                </a:solidFill>
-              </a:rPr>
-              <a:t> </a:t>
-            </a:r>
-            <a:r>
-              <a:rPr lang="en-GB" sz="6000" b="1" i="1" dirty="0" err="1" smtClean="0">
-                <a:solidFill>
-                  <a:srgbClr val="00B050"/>
-                </a:solidFill>
-              </a:rPr>
+              <a:rPr lang="en-GB" sz="6000" b="1" i="1" dirty="0"/>
+              <a:t> </a:t>
+            </a:r>
+            <a:r>
+              <a:rPr lang="en-GB" sz="6000" b="1" i="1" dirty="0" err="1"/>
               <a:t>mitondra</a:t>
             </a:r>
             <a:r>
-              <a:rPr lang="en-GB" sz="6000" b="1" i="1" dirty="0" smtClean="0">
-                <a:solidFill>
-                  <a:srgbClr val="00B050"/>
-                </a:solidFill>
-              </a:rPr>
-              <a:t> </a:t>
-            </a:r>
-            <a:r>
-              <a:rPr lang="en-GB" sz="6000" b="1" i="1" dirty="0" err="1" smtClean="0">
-                <a:solidFill>
-                  <a:srgbClr val="00B050"/>
-                </a:solidFill>
-              </a:rPr>
+              <a:rPr lang="en-GB" sz="6000" b="1" i="1" dirty="0"/>
+              <a:t> </a:t>
+            </a:r>
+            <a:r>
+              <a:rPr lang="en-GB" sz="6000" b="1" i="1" dirty="0" err="1"/>
               <a:t>hery</a:t>
             </a:r>
             <a:r>
-              <a:rPr lang="en-GB" sz="6000" b="1" i="1" dirty="0" smtClean="0">
-                <a:solidFill>
-                  <a:srgbClr val="00B050"/>
-                </a:solidFill>
-              </a:rPr>
-              <a:t> </a:t>
-            </a:r>
-            <a:r>
-              <a:rPr lang="en-GB" sz="6000" b="1" i="1" dirty="0" err="1" smtClean="0">
-                <a:solidFill>
-                  <a:srgbClr val="00B050"/>
-                </a:solidFill>
-              </a:rPr>
+              <a:rPr lang="en-GB" sz="6000" b="1" i="1" dirty="0"/>
+              <a:t> </a:t>
+            </a:r>
+            <a:r>
+              <a:rPr lang="en-GB" sz="6000" b="1" i="1" dirty="0" err="1"/>
               <a:t>vao</a:t>
             </a:r>
-            <a:r>
-              <a:rPr lang="fr-FR" sz="6000" b="1" i="1" dirty="0" smtClean="0">
-                <a:solidFill>
-                  <a:srgbClr val="00B050"/>
-                </a:solidFill>
-              </a:rPr>
-              <a:t/>
-            </a:r>
             <a:br>
-              <a:rPr lang="fr-FR" sz="6000" b="1" i="1" dirty="0" smtClean="0">
-                <a:solidFill>
-                  <a:srgbClr val="00B050"/>
-                </a:solidFill>
-              </a:rPr>
+              <a:rPr lang="fr-FR" sz="6000" b="1" i="1" dirty="0"/>
             </a:br>
             <a:r>
-              <a:rPr lang="en-GB" sz="6000" b="1" i="1" dirty="0" smtClean="0">
-                <a:solidFill>
-                  <a:srgbClr val="00B050"/>
-                </a:solidFill>
-              </a:rPr>
+              <a:rPr lang="en-GB" sz="6000" b="1" i="1" dirty="0"/>
               <a:t>  </a:t>
             </a:r>
             <a:r>
-              <a:rPr lang="en-GB" sz="6000" b="1" i="1" dirty="0" err="1" smtClean="0">
-                <a:solidFill>
-                  <a:srgbClr val="00B050"/>
-                </a:solidFill>
-              </a:rPr>
+              <a:rPr lang="en-GB" sz="6000" b="1" i="1" dirty="0" err="1"/>
               <a:t>Ry</a:t>
             </a:r>
             <a:r>
-              <a:rPr lang="en-GB" sz="6000" b="1" i="1" dirty="0" smtClean="0">
-                <a:solidFill>
-                  <a:srgbClr val="00B050"/>
-                </a:solidFill>
-              </a:rPr>
-              <a:t> </a:t>
-            </a:r>
-            <a:r>
-              <a:rPr lang="en-GB" sz="6000" b="1" i="1" dirty="0" err="1" smtClean="0">
-                <a:solidFill>
-                  <a:srgbClr val="00B050"/>
-                </a:solidFill>
-              </a:rPr>
+              <a:rPr lang="en-GB" sz="6000" b="1" i="1" dirty="0"/>
+              <a:t> </a:t>
+            </a:r>
+            <a:r>
+              <a:rPr lang="en-GB" sz="6000" b="1" i="1" dirty="0" err="1"/>
               <a:t>mpiambina</a:t>
             </a:r>
             <a:r>
-              <a:rPr lang="en-GB" sz="6000" b="1" i="1" dirty="0" smtClean="0">
-                <a:solidFill>
-                  <a:srgbClr val="00B050"/>
-                </a:solidFill>
-              </a:rPr>
-              <a:t> </a:t>
-            </a:r>
-            <a:r>
-              <a:rPr lang="en-GB" sz="6000" b="1" i="1" dirty="0" err="1" smtClean="0">
-                <a:solidFill>
-                  <a:srgbClr val="00B050"/>
-                </a:solidFill>
-              </a:rPr>
+              <a:rPr lang="en-GB" sz="6000" b="1" i="1" dirty="0"/>
+              <a:t> </a:t>
+            </a:r>
+            <a:r>
+              <a:rPr lang="en-GB" sz="6000" b="1" i="1" dirty="0" err="1"/>
               <a:t>miarena</a:t>
             </a:r>
-            <a:r>
-              <a:rPr lang="fr-FR" sz="6000" b="1" i="1" dirty="0" smtClean="0">
-                <a:solidFill>
-                  <a:srgbClr val="00B050"/>
-                </a:solidFill>
-              </a:rPr>
-              <a:t/>
-            </a:r>
             <a:br>
-              <a:rPr lang="fr-FR" sz="6000" b="1" i="1" dirty="0" smtClean="0">
-                <a:solidFill>
-                  <a:srgbClr val="00B050"/>
-                </a:solidFill>
-              </a:rPr>
+              <a:rPr lang="fr-FR" sz="6000" b="1" i="1" dirty="0"/>
             </a:br>
             <a:r>
-              <a:rPr lang="en-GB" sz="6000" b="1" i="1" dirty="0" smtClean="0">
-                <a:solidFill>
-                  <a:srgbClr val="00B050"/>
-                </a:solidFill>
-              </a:rPr>
+              <a:rPr lang="en-GB" sz="6000" b="1" i="1" dirty="0"/>
               <a:t>      </a:t>
             </a:r>
             <a:r>
-              <a:rPr lang="en-GB" sz="6000" b="1" i="1" dirty="0" err="1" smtClean="0">
-                <a:solidFill>
-                  <a:srgbClr val="00B050"/>
-                </a:solidFill>
-              </a:rPr>
+              <a:rPr lang="en-GB" sz="6000" b="1" i="1" dirty="0" err="1"/>
               <a:t>Ka</a:t>
             </a:r>
             <a:r>
-              <a:rPr lang="en-GB" sz="6000" b="1" i="1" dirty="0" smtClean="0">
-                <a:solidFill>
-                  <a:srgbClr val="00B050"/>
-                </a:solidFill>
-              </a:rPr>
-              <a:t> </a:t>
-            </a:r>
-            <a:r>
-              <a:rPr lang="en-GB" sz="6000" b="1" i="1" dirty="0" err="1" smtClean="0">
-                <a:solidFill>
-                  <a:srgbClr val="00B050"/>
-                </a:solidFill>
-              </a:rPr>
+              <a:rPr lang="en-GB" sz="6000" b="1" i="1" dirty="0"/>
+              <a:t> </a:t>
+            </a:r>
+            <a:r>
+              <a:rPr lang="en-GB" sz="6000" b="1" i="1" dirty="0" err="1"/>
               <a:t>ingao</a:t>
             </a:r>
             <a:r>
-              <a:rPr lang="en-GB" sz="6000" b="1" i="1" dirty="0" smtClean="0">
-                <a:solidFill>
-                  <a:srgbClr val="00B050"/>
-                </a:solidFill>
-              </a:rPr>
-              <a:t> </a:t>
-            </a:r>
-            <a:r>
-              <a:rPr lang="en-GB" sz="6000" b="1" i="1" dirty="0" err="1" smtClean="0">
-                <a:solidFill>
-                  <a:srgbClr val="00B050"/>
-                </a:solidFill>
-              </a:rPr>
+              <a:rPr lang="en-GB" sz="6000" b="1" i="1" dirty="0"/>
+              <a:t> </a:t>
+            </a:r>
+            <a:r>
+              <a:rPr lang="en-GB" sz="6000" b="1" i="1" dirty="0" err="1"/>
               <a:t>ny</a:t>
             </a:r>
             <a:r>
-              <a:rPr lang="en-GB" sz="6000" b="1" i="1" dirty="0" smtClean="0">
-                <a:solidFill>
-                  <a:srgbClr val="00B050"/>
-                </a:solidFill>
-              </a:rPr>
-              <a:t> </a:t>
-            </a:r>
-            <a:r>
-              <a:rPr lang="en-GB" sz="6000" b="1" i="1" dirty="0" err="1" smtClean="0">
-                <a:solidFill>
-                  <a:srgbClr val="00B050"/>
-                </a:solidFill>
-              </a:rPr>
+              <a:rPr lang="en-GB" sz="6000" b="1" i="1" dirty="0"/>
+              <a:t> </a:t>
+            </a:r>
+            <a:r>
+              <a:rPr lang="en-GB" sz="6000" b="1" i="1" dirty="0" err="1"/>
               <a:t>zovinao</a:t>
             </a:r>
             <a:r>
-              <a:rPr lang="en-GB" sz="6000" b="1" i="1" dirty="0" smtClean="0">
-                <a:solidFill>
-                  <a:srgbClr val="00B050"/>
-                </a:solidFill>
-              </a:rPr>
+              <a:rPr lang="en-GB" sz="6000" b="1" i="1" dirty="0"/>
               <a:t> ;</a:t>
             </a:r>
-            <a:r>
-              <a:rPr lang="fr-FR" sz="6000" b="1" i="1" dirty="0" smtClean="0">
-                <a:solidFill>
-                  <a:srgbClr val="00B050"/>
-                </a:solidFill>
-              </a:rPr>
-              <a:t/>
-            </a:r>
             <a:br>
-              <a:rPr lang="fr-FR" sz="6000" b="1" i="1" dirty="0" smtClean="0">
-                <a:solidFill>
-                  <a:srgbClr val="00B050"/>
-                </a:solidFill>
-              </a:rPr>
+              <a:rPr lang="fr-FR" sz="6000" b="1" i="1" dirty="0"/>
             </a:br>
             <a:r>
-              <a:rPr lang="en-GB" sz="6000" b="1" i="1" dirty="0" smtClean="0">
-                <a:solidFill>
-                  <a:srgbClr val="00B050"/>
-                </a:solidFill>
-              </a:rPr>
+              <a:rPr lang="en-GB" sz="6000" b="1" i="1" dirty="0"/>
               <a:t>      </a:t>
             </a:r>
-            <a:endParaRPr lang="fr-FR" sz="6000" b="1" i="1" dirty="0">
-              <a:solidFill>
-                <a:srgbClr val="00B050"/>
-              </a:solidFill>
-            </a:endParaRPr>
+            <a:endParaRPr lang="fr-FR" sz="6000" b="1" i="1" dirty="0"/>
           </a:p>
         </p:txBody>
       </p:sp>
@@ -8386,279 +7299,123 @@
           <a:lstStyle/>
           <a:p>
             <a:r>
-              <a:rPr lang="en-GB" sz="6000" b="1" i="1" dirty="0" err="1" smtClean="0">
-                <a:solidFill>
-                  <a:srgbClr val="00B050"/>
-                </a:solidFill>
-              </a:rPr>
+              <a:rPr lang="en-GB" sz="6000" b="1" i="1" dirty="0" err="1"/>
               <a:t>Ambarao</a:t>
             </a:r>
             <a:r>
-              <a:rPr lang="en-GB" sz="6000" b="1" i="1" dirty="0" smtClean="0">
-                <a:solidFill>
-                  <a:srgbClr val="00B050"/>
-                </a:solidFill>
-              </a:rPr>
-              <a:t> </a:t>
-            </a:r>
-            <a:r>
-              <a:rPr lang="en-GB" sz="6000" b="1" i="1" dirty="0" err="1">
-                <a:solidFill>
-                  <a:srgbClr val="00B050"/>
-                </a:solidFill>
-              </a:rPr>
+              <a:rPr lang="en-GB" sz="6000" b="1" i="1" dirty="0"/>
+              <a:t> </a:t>
+            </a:r>
+            <a:r>
+              <a:rPr lang="en-GB" sz="6000" b="1" i="1" dirty="0" err="1"/>
               <a:t>fa</a:t>
             </a:r>
             <a:r>
-              <a:rPr lang="en-GB" sz="6000" b="1" i="1" dirty="0">
-                <a:solidFill>
-                  <a:srgbClr val="00B050"/>
-                </a:solidFill>
-              </a:rPr>
-              <a:t> </a:t>
-            </a:r>
-            <a:r>
-              <a:rPr lang="en-GB" sz="6000" b="1" i="1" dirty="0" err="1">
-                <a:solidFill>
-                  <a:srgbClr val="00B050"/>
-                </a:solidFill>
-              </a:rPr>
+              <a:rPr lang="en-GB" sz="6000" b="1" i="1" dirty="0"/>
+              <a:t> </a:t>
+            </a:r>
+            <a:r>
+              <a:rPr lang="en-GB" sz="6000" b="1" i="1" dirty="0" err="1"/>
               <a:t>ny</a:t>
             </a:r>
             <a:r>
-              <a:rPr lang="en-GB" sz="6000" b="1" i="1" dirty="0">
-                <a:solidFill>
-                  <a:srgbClr val="00B050"/>
-                </a:solidFill>
-              </a:rPr>
-              <a:t> </a:t>
-            </a:r>
-            <a:r>
-              <a:rPr lang="en-GB" sz="6000" b="1" i="1" dirty="0" err="1">
-                <a:solidFill>
-                  <a:srgbClr val="00B050"/>
-                </a:solidFill>
-              </a:rPr>
+              <a:rPr lang="en-GB" sz="6000" b="1" i="1" dirty="0"/>
+              <a:t> </a:t>
+            </a:r>
+            <a:r>
+              <a:rPr lang="en-GB" sz="6000" b="1" i="1" dirty="0" err="1"/>
               <a:t>haizina</a:t>
             </a:r>
-            <a:r>
-              <a:rPr lang="fr-FR" sz="6000" b="1" i="1" dirty="0">
-                <a:solidFill>
-                  <a:srgbClr val="00B050"/>
-                </a:solidFill>
-              </a:rPr>
-              <a:t/>
-            </a:r>
             <a:br>
-              <a:rPr lang="fr-FR" sz="6000" b="1" i="1" dirty="0">
-                <a:solidFill>
-                  <a:srgbClr val="00B050"/>
-                </a:solidFill>
-              </a:rPr>
+              <a:rPr lang="fr-FR" sz="6000" b="1" i="1" dirty="0"/>
             </a:br>
             <a:r>
-              <a:rPr lang="fr-FR" sz="6000" b="1" i="1" dirty="0" err="1" smtClean="0">
-                <a:solidFill>
-                  <a:srgbClr val="00B050"/>
-                </a:solidFill>
-              </a:rPr>
+              <a:rPr lang="fr-FR" sz="6000" b="1" i="1" dirty="0" err="1"/>
               <a:t>Indro</a:t>
             </a:r>
             <a:r>
-              <a:rPr lang="fr-FR" sz="6000" b="1" i="1" dirty="0" smtClean="0">
-                <a:solidFill>
-                  <a:srgbClr val="00B050"/>
-                </a:solidFill>
-              </a:rPr>
-              <a:t> </a:t>
-            </a:r>
-            <a:r>
-              <a:rPr lang="fr-FR" sz="6000" b="1" i="1" dirty="0" err="1">
-                <a:solidFill>
-                  <a:srgbClr val="00B050"/>
-                </a:solidFill>
-              </a:rPr>
+              <a:rPr lang="fr-FR" sz="6000" b="1" i="1" dirty="0"/>
+              <a:t> </a:t>
+            </a:r>
+            <a:r>
+              <a:rPr lang="fr-FR" sz="6000" b="1" i="1" dirty="0" err="1"/>
               <a:t>efa</a:t>
             </a:r>
             <a:r>
-              <a:rPr lang="fr-FR" sz="6000" b="1" i="1" dirty="0">
-                <a:solidFill>
-                  <a:srgbClr val="00B050"/>
-                </a:solidFill>
-              </a:rPr>
-              <a:t> </a:t>
-            </a:r>
-            <a:r>
-              <a:rPr lang="fr-FR" sz="6000" b="1" i="1" dirty="0" err="1">
-                <a:solidFill>
-                  <a:srgbClr val="00B050"/>
-                </a:solidFill>
-              </a:rPr>
+              <a:rPr lang="fr-FR" sz="6000" b="1" i="1" dirty="0"/>
+              <a:t> </a:t>
+            </a:r>
+            <a:r>
+              <a:rPr lang="fr-FR" sz="6000" b="1" i="1" dirty="0" err="1"/>
               <a:t>lasa</a:t>
             </a:r>
             <a:r>
-              <a:rPr lang="fr-FR" sz="6000" b="1" i="1" dirty="0">
-                <a:solidFill>
-                  <a:srgbClr val="00B050"/>
-                </a:solidFill>
-              </a:rPr>
-              <a:t> </a:t>
-            </a:r>
-            <a:r>
-              <a:rPr lang="fr-FR" sz="6000" b="1" i="1" dirty="0" err="1">
-                <a:solidFill>
-                  <a:srgbClr val="00B050"/>
-                </a:solidFill>
-              </a:rPr>
+              <a:rPr lang="fr-FR" sz="6000" b="1" i="1" dirty="0"/>
+              <a:t> </a:t>
+            </a:r>
+            <a:r>
+              <a:rPr lang="fr-FR" sz="6000" b="1" i="1" dirty="0" err="1"/>
               <a:t>re</a:t>
             </a:r>
             <a:r>
-              <a:rPr lang="fr-FR" sz="6000" b="1" i="1" dirty="0">
-                <a:solidFill>
-                  <a:srgbClr val="00B050"/>
-                </a:solidFill>
-              </a:rPr>
+              <a:rPr lang="fr-FR" sz="6000" b="1" i="1" dirty="0"/>
               <a:t>,</a:t>
             </a:r>
             <a:br>
-              <a:rPr lang="fr-FR" sz="6000" b="1" i="1" dirty="0">
-                <a:solidFill>
-                  <a:srgbClr val="00B050"/>
-                </a:solidFill>
-              </a:rPr>
+              <a:rPr lang="fr-FR" sz="6000" b="1" i="1" dirty="0"/>
             </a:br>
             <a:r>
-              <a:rPr lang="fr-FR" sz="6000" b="1" i="1" dirty="0">
-                <a:solidFill>
-                  <a:srgbClr val="00B050"/>
-                </a:solidFill>
-              </a:rPr>
-              <a:t> </a:t>
-            </a:r>
-            <a:r>
-              <a:rPr lang="fr-FR" sz="6000" b="1" i="1" dirty="0" smtClean="0">
-                <a:solidFill>
-                  <a:srgbClr val="00B050"/>
-                </a:solidFill>
-              </a:rPr>
-              <a:t> </a:t>
-            </a:r>
-            <a:r>
-              <a:rPr lang="fr-FR" sz="6000" b="1" i="1" dirty="0" err="1">
-                <a:solidFill>
-                  <a:srgbClr val="00B050"/>
-                </a:solidFill>
-              </a:rPr>
+              <a:rPr lang="fr-FR" sz="6000" b="1" i="1" dirty="0"/>
+              <a:t>  </a:t>
+            </a:r>
+            <a:r>
+              <a:rPr lang="fr-FR" sz="6000" b="1" i="1" dirty="0" err="1"/>
               <a:t>Efa</a:t>
             </a:r>
             <a:r>
-              <a:rPr lang="fr-FR" sz="6000" b="1" i="1" dirty="0">
-                <a:solidFill>
-                  <a:srgbClr val="00B050"/>
-                </a:solidFill>
-              </a:rPr>
-              <a:t> </a:t>
-            </a:r>
-            <a:r>
-              <a:rPr lang="fr-FR" sz="6000" b="1" i="1" dirty="0" err="1">
-                <a:solidFill>
-                  <a:srgbClr val="00B050"/>
-                </a:solidFill>
-              </a:rPr>
+              <a:rPr lang="fr-FR" sz="6000" b="1" i="1" dirty="0"/>
+              <a:t> </a:t>
+            </a:r>
+            <a:r>
+              <a:rPr lang="fr-FR" sz="6000" b="1" i="1" dirty="0" err="1"/>
               <a:t>tonga</a:t>
             </a:r>
             <a:r>
-              <a:rPr lang="fr-FR" sz="6000" b="1" i="1" dirty="0">
-                <a:solidFill>
-                  <a:srgbClr val="00B050"/>
-                </a:solidFill>
-              </a:rPr>
-              <a:t> </a:t>
-            </a:r>
-            <a:r>
-              <a:rPr lang="fr-FR" sz="6000" b="1" i="1" dirty="0" err="1">
-                <a:solidFill>
-                  <a:srgbClr val="00B050"/>
-                </a:solidFill>
-              </a:rPr>
+              <a:rPr lang="fr-FR" sz="6000" b="1" i="1" dirty="0"/>
+              <a:t> </a:t>
+            </a:r>
+            <a:r>
+              <a:rPr lang="fr-FR" sz="6000" b="1" i="1" dirty="0" err="1"/>
               <a:t>ny</a:t>
             </a:r>
             <a:r>
-              <a:rPr lang="fr-FR" sz="6000" b="1" i="1" dirty="0">
-                <a:solidFill>
-                  <a:srgbClr val="00B050"/>
-                </a:solidFill>
-              </a:rPr>
-              <a:t> </a:t>
-            </a:r>
-            <a:r>
-              <a:rPr lang="fr-FR" sz="6000" b="1" i="1" dirty="0" err="1">
-                <a:solidFill>
-                  <a:srgbClr val="00B050"/>
-                </a:solidFill>
-              </a:rPr>
+              <a:rPr lang="fr-FR" sz="6000" b="1" i="1" dirty="0"/>
+              <a:t> </a:t>
+            </a:r>
+            <a:r>
+              <a:rPr lang="fr-FR" sz="6000" b="1" i="1" dirty="0" err="1"/>
               <a:t>maraina</a:t>
             </a:r>
-            <a:r>
-              <a:rPr lang="fr-FR" sz="6000" b="1" i="1" dirty="0">
-                <a:solidFill>
-                  <a:srgbClr val="00B050"/>
-                </a:solidFill>
-              </a:rPr>
-              <a:t/>
-            </a:r>
             <a:br>
-              <a:rPr lang="fr-FR" sz="6000" b="1" i="1" dirty="0">
-                <a:solidFill>
-                  <a:srgbClr val="00B050"/>
-                </a:solidFill>
-              </a:rPr>
+              <a:rPr lang="fr-FR" sz="6000" b="1" i="1" dirty="0"/>
             </a:br>
             <a:r>
-              <a:rPr lang="en-GB" sz="6000" b="1" i="1" dirty="0" err="1" smtClean="0">
-                <a:solidFill>
-                  <a:srgbClr val="00B050"/>
-                </a:solidFill>
-              </a:rPr>
+              <a:rPr lang="en-GB" sz="6000" b="1" i="1" dirty="0" err="1"/>
               <a:t>Hisy</a:t>
             </a:r>
             <a:r>
-              <a:rPr lang="en-GB" sz="6000" b="1" i="1" dirty="0" smtClean="0">
-                <a:solidFill>
-                  <a:srgbClr val="00B050"/>
-                </a:solidFill>
-              </a:rPr>
-              <a:t> </a:t>
-            </a:r>
-            <a:r>
-              <a:rPr lang="en-GB" sz="6000" b="1" i="1" dirty="0" err="1">
-                <a:solidFill>
-                  <a:srgbClr val="00B050"/>
-                </a:solidFill>
-              </a:rPr>
+              <a:rPr lang="en-GB" sz="6000" b="1" i="1" dirty="0"/>
+              <a:t> </a:t>
+            </a:r>
+            <a:r>
+              <a:rPr lang="en-GB" sz="6000" b="1" i="1" dirty="0" err="1"/>
               <a:t>hazavana</a:t>
             </a:r>
             <a:r>
-              <a:rPr lang="en-GB" sz="6000" b="1" i="1" dirty="0">
-                <a:solidFill>
-                  <a:srgbClr val="00B050"/>
-                </a:solidFill>
-              </a:rPr>
-              <a:t> </a:t>
-            </a:r>
-            <a:r>
-              <a:rPr lang="en-GB" sz="6000" b="1" i="1" dirty="0" smtClean="0">
-                <a:solidFill>
-                  <a:srgbClr val="00B050"/>
-                </a:solidFill>
-              </a:rPr>
-              <a:t>be</a:t>
-            </a:r>
-            <a:endParaRPr lang="fr-FR" sz="6000" b="1" i="1" dirty="0">
-              <a:solidFill>
-                <a:srgbClr val="00B050"/>
-              </a:solidFill>
-            </a:endParaRPr>
+              <a:rPr lang="en-GB" sz="6000" b="1" i="1" dirty="0"/>
+              <a:t> be</a:t>
+            </a:r>
+            <a:endParaRPr lang="fr-FR" sz="6000" b="1" i="1" dirty="0"/>
           </a:p>
         </p:txBody>
       </p:sp>
